--- a/apresentacoes/foco-produtividade/aula-09-ladroes-tempo.pptx
+++ b/apresentacoes/foco-produtividade/aula-09-ladroes-tempo.pptx
@@ -1286,62 +1286,6 @@
 </p:sldLayout>
 </file>
 
-<file path=ppt/slideLayouts/slideLayout2.xml><?xml version="1.0" encoding="utf-8"?>
-<p:sldLayout xmlns:a="http://schemas.openxmlformats.org/drawingml/2006/main" xmlns:r="http://schemas.openxmlformats.org/officeDocument/2006/relationships" xmlns:p="http://schemas.openxmlformats.org/presentationml/2006/main" preserve="1">
-  <p:cSld name="MASTER">
-    <p:bg>
-      <p:bgPr>
-        <a:solidFill>
-          <a:srgbClr val="1A1A2E"/>
-        </a:solidFill>
-      </p:bgPr>
-    </p:bg>
-    <p:spTree>
-      <p:nvGrpSpPr>
-        <p:cNvPr id="1" name=""/>
-        <p:cNvGrpSpPr/>
-        <p:nvPr/>
-      </p:nvGrpSpPr>
-      <p:grpSpPr>
-        <a:xfrm>
-          <a:off x="0" y="0"/>
-          <a:ext cx="0" cy="0"/>
-          <a:chOff x="0" y="0"/>
-          <a:chExt cx="0" cy="0"/>
-        </a:xfrm>
-      </p:grpSpPr>
-      <p:pic>
-        <p:nvPicPr>
-          <p:cNvPr id="2" name="Image 0" descr="preencoded.png">    </p:cNvPr>
-          <p:cNvPicPr>
-            <a:picLocks noChangeAspect="1"/>
-          </p:cNvPicPr>
-          <p:nvPr/>
-        </p:nvPicPr>
-        <p:blipFill>
-          <a:blip r:embed="rId1"/>
-          <a:stretch>
-            <a:fillRect/>
-          </a:stretch>
-        </p:blipFill>
-        <p:spPr>
-          <a:xfrm>
-            <a:off x="274320" y="182880"/>
-            <a:ext cx="1097280" cy="457200"/>
-          </a:xfrm>
-          <a:prstGeom prst="rect">
-            <a:avLst/>
-          </a:prstGeom>
-        </p:spPr>
-      </p:pic>
-    </p:spTree>
-  </p:cSld>
-  <p:clrMapOvr>
-    <a:masterClrMapping/>
-  </p:clrMapOvr>
-</p:sldLayout>
-</file>
-
 <file path=ppt/slideMasters/slideMaster1.xml><?xml version="1.0" encoding="utf-8"?>
 <p:sldMaster xmlns:a="http://schemas.openxmlformats.org/drawingml/2006/main" xmlns:r="http://schemas.openxmlformats.org/officeDocument/2006/relationships" xmlns:p="http://schemas.openxmlformats.org/presentationml/2006/main">
   <p:cSld>
@@ -1364,7 +1308,6 @@
   <p:clrMap bg1="lt1" tx1="dk1" bg2="lt2" tx2="dk2" accent1="accent1" accent2="accent2" accent3="accent3" accent4="accent4" accent5="accent5" accent6="accent6" hlink="hlink" folHlink="folHlink"/>
   <p:sldLayoutIdLst>
     <p:sldLayoutId id="2147483649" r:id="rId1"/>
-    <p:sldLayoutId id="2147483650" r:id="rId2"/>
   </p:sldLayoutIdLst>
   <p:hf sldNum="0" hdr="0" ftr="0" dt="0"/>
   <p:txStyles>
@@ -1623,6 +1566,13 @@
 <file path=ppt/slides/slide1.xml><?xml version="1.0" encoding="utf-8"?>
 <p:sld xmlns:a="http://schemas.openxmlformats.org/drawingml/2006/main" xmlns:r="http://schemas.openxmlformats.org/officeDocument/2006/relationships" xmlns:p="http://schemas.openxmlformats.org/presentationml/2006/main">
   <p:cSld name="Slide 1">
+    <p:bg>
+      <p:bgPr>
+        <a:solidFill>
+          <a:srgbClr val="1A1A2E"/>
+        </a:solidFill>
+      </p:bgPr>
+    </p:bg>
     <p:spTree>
       <p:nvGrpSpPr>
         <p:cNvPr id="1" name=""/>
@@ -1637,9 +1587,33 @@
           <a:chExt cx="0" cy="0"/>
         </a:xfrm>
       </p:grpSpPr>
-      <p:sp>
-        <p:nvSpPr>
-          <p:cNvPr id="2" name="Shape 0"/>
+      <p:pic>
+        <p:nvPicPr>
+          <p:cNvPr id="2" name="Image 0" descr="preencoded.png">    </p:cNvPr>
+          <p:cNvPicPr>
+            <a:picLocks noChangeAspect="1"/>
+          </p:cNvPicPr>
+          <p:nvPr/>
+        </p:nvPicPr>
+        <p:blipFill>
+          <a:blip r:embed="rId1"/>
+          <a:stretch>
+            <a:fillRect/>
+          </a:stretch>
+        </p:blipFill>
+        <p:spPr>
+          <a:xfrm>
+            <a:off x="274320" y="137160"/>
+            <a:ext cx="1097280" cy="457200"/>
+          </a:xfrm>
+          <a:prstGeom prst="rect">
+            <a:avLst/>
+          </a:prstGeom>
+        </p:spPr>
+      </p:pic>
+      <p:sp>
+        <p:nvSpPr>
+          <p:cNvPr id="3" name="Shape 0"/>
           <p:cNvSpPr/>
           <p:nvPr/>
         </p:nvSpPr>
@@ -1659,7 +1633,7 @@
       </p:sp>
       <p:sp>
         <p:nvSpPr>
-          <p:cNvPr id="3" name="Text 1"/>
+          <p:cNvPr id="4" name="Text 1"/>
           <p:cNvSpPr/>
           <p:nvPr/>
         </p:nvSpPr>
@@ -1698,7 +1672,7 @@
       </p:sp>
       <p:sp>
         <p:nvSpPr>
-          <p:cNvPr id="4" name="Text 2"/>
+          <p:cNvPr id="5" name="Text 2"/>
           <p:cNvSpPr/>
           <p:nvPr/>
         </p:nvSpPr>
@@ -1737,7 +1711,7 @@
       </p:sp>
       <p:sp>
         <p:nvSpPr>
-          <p:cNvPr id="5" name="Text 3"/>
+          <p:cNvPr id="6" name="Text 3"/>
           <p:cNvSpPr/>
           <p:nvPr/>
         </p:nvSpPr>
@@ -1768,7 +1742,7 @@
                 <a:ea typeface="Arial" pitchFamily="34" charset="-122"/>
                 <a:cs typeface="Arial" pitchFamily="34" charset="-120"/>
               </a:rPr>
-              <a:t>Identificando e Eliminando os Ladrões de Tempo</a:t>
+              <a:t>Eliminando os Ladrões de Tempo</a:t>
             </a:r>
             <a:endParaRPr lang="en-US" sz="3200" dirty="0"/>
           </a:p>
@@ -1776,7 +1750,7 @@
       </p:sp>
       <p:sp>
         <p:nvSpPr>
-          <p:cNvPr id="6" name="Text 4"/>
+          <p:cNvPr id="7" name="Text 4"/>
           <p:cNvSpPr/>
           <p:nvPr/>
         </p:nvSpPr>
@@ -1815,7 +1789,7 @@
       </p:sp>
       <p:sp>
         <p:nvSpPr>
-          <p:cNvPr id="7" name="Shape 5"/>
+          <p:cNvPr id="8" name="Shape 5"/>
           <p:cNvSpPr/>
           <p:nvPr/>
         </p:nvSpPr>
@@ -1844,6 +1818,13 @@
 <file path=ppt/slides/slide2.xml><?xml version="1.0" encoding="utf-8"?>
 <p:sld xmlns:a="http://schemas.openxmlformats.org/drawingml/2006/main" xmlns:r="http://schemas.openxmlformats.org/officeDocument/2006/relationships" xmlns:p="http://schemas.openxmlformats.org/presentationml/2006/main">
   <p:cSld name="Slide 2">
+    <p:bg>
+      <p:bgPr>
+        <a:solidFill>
+          <a:srgbClr val="1A1A2E"/>
+        </a:solidFill>
+      </p:bgPr>
+    </p:bg>
     <p:spTree>
       <p:nvGrpSpPr>
         <p:cNvPr id="1" name=""/>
@@ -1858,9 +1839,33 @@
           <a:chExt cx="0" cy="0"/>
         </a:xfrm>
       </p:grpSpPr>
-      <p:sp>
-        <p:nvSpPr>
-          <p:cNvPr id="2" name="Shape 0"/>
+      <p:pic>
+        <p:nvPicPr>
+          <p:cNvPr id="2" name="Image 0" descr="preencoded.png">    </p:cNvPr>
+          <p:cNvPicPr>
+            <a:picLocks noChangeAspect="1"/>
+          </p:cNvPicPr>
+          <p:nvPr/>
+        </p:nvPicPr>
+        <p:blipFill>
+          <a:blip r:embed="rId1"/>
+          <a:stretch>
+            <a:fillRect/>
+          </a:stretch>
+        </p:blipFill>
+        <p:spPr>
+          <a:xfrm>
+            <a:off x="274320" y="137160"/>
+            <a:ext cx="1097280" cy="457200"/>
+          </a:xfrm>
+          <a:prstGeom prst="rect">
+            <a:avLst/>
+          </a:prstGeom>
+        </p:spPr>
+      </p:pic>
+      <p:sp>
+        <p:nvSpPr>
+          <p:cNvPr id="3" name="Shape 0"/>
           <p:cNvSpPr/>
           <p:nvPr/>
         </p:nvSpPr>
@@ -1880,7 +1885,7 @@
       </p:sp>
       <p:sp>
         <p:nvSpPr>
-          <p:cNvPr id="3" name="Text 1"/>
+          <p:cNvPr id="4" name="Text 1"/>
           <p:cNvSpPr/>
           <p:nvPr/>
         </p:nvSpPr>
@@ -1919,7 +1924,7 @@
       </p:sp>
       <p:sp>
         <p:nvSpPr>
-          <p:cNvPr id="4" name="Text 2"/>
+          <p:cNvPr id="5" name="Text 2"/>
           <p:cNvSpPr/>
           <p:nvPr/>
         </p:nvSpPr>
@@ -1960,7 +1965,7 @@
       </p:sp>
       <p:sp>
         <p:nvSpPr>
-          <p:cNvPr id="5" name="Text 3"/>
+          <p:cNvPr id="6" name="Text 3"/>
           <p:cNvSpPr/>
           <p:nvPr/>
         </p:nvSpPr>
@@ -1999,7 +2004,7 @@
       </p:sp>
       <p:sp>
         <p:nvSpPr>
-          <p:cNvPr id="6" name="Text 4"/>
+          <p:cNvPr id="7" name="Text 4"/>
           <p:cNvSpPr/>
           <p:nvPr/>
         </p:nvSpPr>
@@ -2040,7 +2045,7 @@
       </p:sp>
       <p:sp>
         <p:nvSpPr>
-          <p:cNvPr id="7" name="Text 5"/>
+          <p:cNvPr id="8" name="Text 5"/>
           <p:cNvSpPr/>
           <p:nvPr/>
         </p:nvSpPr>
@@ -2079,7 +2084,7 @@
       </p:sp>
       <p:sp>
         <p:nvSpPr>
-          <p:cNvPr id="8" name="Text 6"/>
+          <p:cNvPr id="9" name="Text 6"/>
           <p:cNvSpPr/>
           <p:nvPr/>
         </p:nvSpPr>
@@ -2120,7 +2125,7 @@
       </p:sp>
       <p:sp>
         <p:nvSpPr>
-          <p:cNvPr id="9" name="Text 7"/>
+          <p:cNvPr id="10" name="Text 7"/>
           <p:cNvSpPr/>
           <p:nvPr/>
         </p:nvSpPr>
@@ -2151,7 +2156,7 @@
                 <a:ea typeface="Arial" pitchFamily="34" charset="-122"/>
                 <a:cs typeface="Arial" pitchFamily="34" charset="-120"/>
               </a:rPr>
-              <a:t>Aplicar estratégias de eliminação</a:t>
+              <a:t>Aplicar estratégias</a:t>
             </a:r>
             <a:endParaRPr lang="en-US" sz="1600" dirty="0"/>
           </a:p>
@@ -2168,6 +2173,13 @@
 <file path=ppt/slides/slide3.xml><?xml version="1.0" encoding="utf-8"?>
 <p:sld xmlns:a="http://schemas.openxmlformats.org/drawingml/2006/main" xmlns:r="http://schemas.openxmlformats.org/officeDocument/2006/relationships" xmlns:p="http://schemas.openxmlformats.org/presentationml/2006/main">
   <p:cSld name="Slide 3">
+    <p:bg>
+      <p:bgPr>
+        <a:solidFill>
+          <a:srgbClr val="1A1A2E"/>
+        </a:solidFill>
+      </p:bgPr>
+    </p:bg>
     <p:spTree>
       <p:nvGrpSpPr>
         <p:cNvPr id="1" name=""/>
@@ -2182,9 +2194,33 @@
           <a:chExt cx="0" cy="0"/>
         </a:xfrm>
       </p:grpSpPr>
-      <p:sp>
-        <p:nvSpPr>
-          <p:cNvPr id="2" name="Shape 0"/>
+      <p:pic>
+        <p:nvPicPr>
+          <p:cNvPr id="2" name="Image 0" descr="preencoded.png">    </p:cNvPr>
+          <p:cNvPicPr>
+            <a:picLocks noChangeAspect="1"/>
+          </p:cNvPicPr>
+          <p:nvPr/>
+        </p:nvPicPr>
+        <p:blipFill>
+          <a:blip r:embed="rId1"/>
+          <a:stretch>
+            <a:fillRect/>
+          </a:stretch>
+        </p:blipFill>
+        <p:spPr>
+          <a:xfrm>
+            <a:off x="274320" y="137160"/>
+            <a:ext cx="1097280" cy="457200"/>
+          </a:xfrm>
+          <a:prstGeom prst="rect">
+            <a:avLst/>
+          </a:prstGeom>
+        </p:spPr>
+      </p:pic>
+      <p:sp>
+        <p:nvSpPr>
+          <p:cNvPr id="3" name="Shape 0"/>
           <p:cNvSpPr/>
           <p:nvPr/>
         </p:nvSpPr>
@@ -2204,7 +2240,7 @@
       </p:sp>
       <p:sp>
         <p:nvSpPr>
-          <p:cNvPr id="3" name="Text 1"/>
+          <p:cNvPr id="4" name="Text 1"/>
           <p:cNvSpPr/>
           <p:nvPr/>
         </p:nvSpPr>
@@ -2243,7 +2279,7 @@
       </p:sp>
       <p:sp>
         <p:nvSpPr>
-          <p:cNvPr id="4" name="Text 2"/>
+          <p:cNvPr id="5" name="Text 2"/>
           <p:cNvSpPr/>
           <p:nvPr/>
         </p:nvSpPr>
@@ -2282,7 +2318,7 @@
       </p:sp>
       <p:sp>
         <p:nvSpPr>
-          <p:cNvPr id="5" name="Text 3"/>
+          <p:cNvPr id="6" name="Text 3"/>
           <p:cNvSpPr/>
           <p:nvPr/>
         </p:nvSpPr>
@@ -2313,7 +2349,7 @@
                 <a:ea typeface="Arial" pitchFamily="34" charset="-122"/>
                 <a:cs typeface="Arial" pitchFamily="34" charset="-120"/>
               </a:rPr>
-              <a:t>Redes sociais sem propósito</a:t>
+              <a:t>Redes sociais</a:t>
             </a:r>
             <a:endParaRPr lang="en-US" sz="1500" dirty="0"/>
           </a:p>
@@ -2321,7 +2357,7 @@
       </p:sp>
       <p:sp>
         <p:nvSpPr>
-          <p:cNvPr id="6" name="Text 4"/>
+          <p:cNvPr id="7" name="Text 4"/>
           <p:cNvSpPr/>
           <p:nvPr/>
         </p:nvSpPr>
@@ -2360,7 +2396,7 @@
       </p:sp>
       <p:sp>
         <p:nvSpPr>
-          <p:cNvPr id="7" name="Text 5"/>
+          <p:cNvPr id="8" name="Text 5"/>
           <p:cNvSpPr/>
           <p:nvPr/>
         </p:nvSpPr>
@@ -2399,7 +2435,7 @@
       </p:sp>
       <p:sp>
         <p:nvSpPr>
-          <p:cNvPr id="8" name="Text 6"/>
+          <p:cNvPr id="9" name="Text 6"/>
           <p:cNvSpPr/>
           <p:nvPr/>
         </p:nvSpPr>
@@ -2438,7 +2474,7 @@
       </p:sp>
       <p:sp>
         <p:nvSpPr>
-          <p:cNvPr id="9" name="Text 7"/>
+          <p:cNvPr id="10" name="Text 7"/>
           <p:cNvSpPr/>
           <p:nvPr/>
         </p:nvSpPr>
@@ -2477,7 +2513,7 @@
       </p:sp>
       <p:sp>
         <p:nvSpPr>
-          <p:cNvPr id="10" name="Text 8"/>
+          <p:cNvPr id="11" name="Text 8"/>
           <p:cNvSpPr/>
           <p:nvPr/>
         </p:nvSpPr>
@@ -2516,7 +2552,7 @@
       </p:sp>
       <p:sp>
         <p:nvSpPr>
-          <p:cNvPr id="11" name="Text 9"/>
+          <p:cNvPr id="12" name="Text 9"/>
           <p:cNvSpPr/>
           <p:nvPr/>
         </p:nvSpPr>
@@ -2548,84 +2584,6 @@
                 <a:cs typeface="Arial" pitchFamily="34" charset="-120"/>
               </a:rPr>
               <a:t>Multitarefa</a:t>
-            </a:r>
-            <a:endParaRPr lang="en-US" sz="1500" dirty="0"/>
-          </a:p>
-        </p:txBody>
-      </p:sp>
-      <p:sp>
-        <p:nvSpPr>
-          <p:cNvPr id="12" name="Text 10"/>
-          <p:cNvSpPr/>
-          <p:nvPr/>
-        </p:nvSpPr>
-        <p:spPr>
-          <a:xfrm>
-            <a:off x="457200" y="3200400"/>
-            <a:ext cx="274320" cy="320040"/>
-          </a:xfrm>
-          <a:prstGeom prst="rect">
-            <a:avLst/>
-          </a:prstGeom>
-          <a:noFill/>
-          <a:ln/>
-        </p:spPr>
-        <p:txBody>
-          <a:bodyPr wrap="square" rtlCol="0" anchor="ctr"/>
-          <a:lstStyle/>
-          <a:p>
-            <a:pPr indent="0" marL="0">
-              <a:buNone/>
-            </a:pPr>
-            <a:r>
-              <a:rPr lang="en-US" sz="1400" dirty="0">
-                <a:solidFill>
-                  <a:srgbClr val="22C55E"/>
-                </a:solidFill>
-                <a:latin typeface="Arial" pitchFamily="34" charset="0"/>
-                <a:ea typeface="Arial" pitchFamily="34" charset="-122"/>
-                <a:cs typeface="Arial" pitchFamily="34" charset="-120"/>
-              </a:rPr>
-              <a:t>●</a:t>
-            </a:r>
-            <a:endParaRPr lang="en-US" sz="1400" dirty="0"/>
-          </a:p>
-        </p:txBody>
-      </p:sp>
-      <p:sp>
-        <p:nvSpPr>
-          <p:cNvPr id="13" name="Text 11"/>
-          <p:cNvSpPr/>
-          <p:nvPr/>
-        </p:nvSpPr>
-        <p:spPr>
-          <a:xfrm>
-            <a:off x="822960" y="3200400"/>
-            <a:ext cx="7772400" cy="320040"/>
-          </a:xfrm>
-          <a:prstGeom prst="rect">
-            <a:avLst/>
-          </a:prstGeom>
-          <a:noFill/>
-          <a:ln/>
-        </p:spPr>
-        <p:txBody>
-          <a:bodyPr wrap="square" rtlCol="0" anchor="ctr"/>
-          <a:lstStyle/>
-          <a:p>
-            <a:pPr indent="0" marL="0">
-              <a:buNone/>
-            </a:pPr>
-            <a:r>
-              <a:rPr lang="en-US" sz="1500" dirty="0">
-                <a:solidFill>
-                  <a:srgbClr val="FFFFFF"/>
-                </a:solidFill>
-                <a:latin typeface="Arial" pitchFamily="34" charset="0"/>
-                <a:ea typeface="Arial" pitchFamily="34" charset="-122"/>
-                <a:cs typeface="Arial" pitchFamily="34" charset="-120"/>
-              </a:rPr>
-              <a:t>Falta de planejamento</a:t>
             </a:r>
             <a:endParaRPr lang="en-US" sz="1500" dirty="0"/>
           </a:p>
@@ -2642,6 +2600,13 @@
 <file path=ppt/slides/slide4.xml><?xml version="1.0" encoding="utf-8"?>
 <p:sld xmlns:a="http://schemas.openxmlformats.org/drawingml/2006/main" xmlns:r="http://schemas.openxmlformats.org/officeDocument/2006/relationships" xmlns:p="http://schemas.openxmlformats.org/presentationml/2006/main">
   <p:cSld name="Slide 4">
+    <p:bg>
+      <p:bgPr>
+        <a:solidFill>
+          <a:srgbClr val="1A1A2E"/>
+        </a:solidFill>
+      </p:bgPr>
+    </p:bg>
     <p:spTree>
       <p:nvGrpSpPr>
         <p:cNvPr id="1" name=""/>
@@ -2656,9 +2621,33 @@
           <a:chExt cx="0" cy="0"/>
         </a:xfrm>
       </p:grpSpPr>
-      <p:sp>
-        <p:nvSpPr>
-          <p:cNvPr id="2" name="Shape 0"/>
+      <p:pic>
+        <p:nvPicPr>
+          <p:cNvPr id="2" name="Image 0" descr="preencoded.png">    </p:cNvPr>
+          <p:cNvPicPr>
+            <a:picLocks noChangeAspect="1"/>
+          </p:cNvPicPr>
+          <p:nvPr/>
+        </p:nvPicPr>
+        <p:blipFill>
+          <a:blip r:embed="rId1"/>
+          <a:stretch>
+            <a:fillRect/>
+          </a:stretch>
+        </p:blipFill>
+        <p:spPr>
+          <a:xfrm>
+            <a:off x="274320" y="137160"/>
+            <a:ext cx="1097280" cy="457200"/>
+          </a:xfrm>
+          <a:prstGeom prst="rect">
+            <a:avLst/>
+          </a:prstGeom>
+        </p:spPr>
+      </p:pic>
+      <p:sp>
+        <p:nvSpPr>
+          <p:cNvPr id="3" name="Shape 0"/>
           <p:cNvSpPr/>
           <p:nvPr/>
         </p:nvSpPr>
@@ -2678,7 +2667,7 @@
       </p:sp>
       <p:sp>
         <p:nvSpPr>
-          <p:cNvPr id="3" name="Text 1"/>
+          <p:cNvPr id="4" name="Text 1"/>
           <p:cNvSpPr/>
           <p:nvPr/>
         </p:nvSpPr>
@@ -2709,7 +2698,7 @@
                 <a:ea typeface="Arial" pitchFamily="34" charset="-122"/>
                 <a:cs typeface="Arial" pitchFamily="34" charset="-120"/>
               </a:rPr>
-              <a:t>Auditoria Pessoal</a:t>
+              <a:t>Auditoria</a:t>
             </a:r>
             <a:endParaRPr lang="en-US" sz="1800" dirty="0"/>
           </a:p>
@@ -2717,7 +2706,7 @@
       </p:sp>
       <p:sp>
         <p:nvSpPr>
-          <p:cNvPr id="4" name="Text 2"/>
+          <p:cNvPr id="5" name="Text 2"/>
           <p:cNvSpPr/>
           <p:nvPr/>
         </p:nvSpPr>
@@ -2756,7 +2745,7 @@
       </p:sp>
       <p:sp>
         <p:nvSpPr>
-          <p:cNvPr id="5" name="Text 3"/>
+          <p:cNvPr id="6" name="Text 3"/>
           <p:cNvSpPr/>
           <p:nvPr/>
         </p:nvSpPr>
@@ -2787,7 +2776,7 @@
                 <a:ea typeface="Arial" pitchFamily="34" charset="-122"/>
                 <a:cs typeface="Arial" pitchFamily="34" charset="-120"/>
               </a:rPr>
-              <a:t>Rastrear a cada 30 min</a:t>
+              <a:t>Rastrear cada 30 min</a:t>
             </a:r>
             <a:endParaRPr lang="en-US" sz="1500" dirty="0"/>
           </a:p>
@@ -2795,7 +2784,7 @@
       </p:sp>
       <p:sp>
         <p:nvSpPr>
-          <p:cNvPr id="6" name="Text 4"/>
+          <p:cNvPr id="7" name="Text 4"/>
           <p:cNvSpPr/>
           <p:nvPr/>
         </p:nvSpPr>
@@ -2834,7 +2823,7 @@
       </p:sp>
       <p:sp>
         <p:nvSpPr>
-          <p:cNvPr id="7" name="Text 5"/>
+          <p:cNvPr id="8" name="Text 5"/>
           <p:cNvSpPr/>
           <p:nvPr/>
         </p:nvSpPr>
@@ -2873,7 +2862,7 @@
       </p:sp>
       <p:sp>
         <p:nvSpPr>
-          <p:cNvPr id="8" name="Text 6"/>
+          <p:cNvPr id="9" name="Text 6"/>
           <p:cNvSpPr/>
           <p:nvPr/>
         </p:nvSpPr>
@@ -2912,7 +2901,7 @@
       </p:sp>
       <p:sp>
         <p:nvSpPr>
-          <p:cNvPr id="9" name="Text 7"/>
+          <p:cNvPr id="10" name="Text 7"/>
           <p:cNvSpPr/>
           <p:nvPr/>
         </p:nvSpPr>
@@ -2943,7 +2932,7 @@
                 <a:ea typeface="Arial" pitchFamily="34" charset="-122"/>
                 <a:cs typeface="Arial" pitchFamily="34" charset="-120"/>
               </a:rPr>
-              <a:t>Categorizar: produtivo/neutro/perdido</a:t>
+              <a:t>Categorizar atividades</a:t>
             </a:r>
             <a:endParaRPr lang="en-US" sz="1500" dirty="0"/>
           </a:p>
@@ -2960,6 +2949,13 @@
 <file path=ppt/slides/slide5.xml><?xml version="1.0" encoding="utf-8"?>
 <p:sld xmlns:a="http://schemas.openxmlformats.org/drawingml/2006/main" xmlns:r="http://schemas.openxmlformats.org/officeDocument/2006/relationships" xmlns:p="http://schemas.openxmlformats.org/presentationml/2006/main">
   <p:cSld name="Slide 5">
+    <p:bg>
+      <p:bgPr>
+        <a:solidFill>
+          <a:srgbClr val="1A1A2E"/>
+        </a:solidFill>
+      </p:bgPr>
+    </p:bg>
     <p:spTree>
       <p:nvGrpSpPr>
         <p:cNvPr id="1" name=""/>
@@ -2974,9 +2970,33 @@
           <a:chExt cx="0" cy="0"/>
         </a:xfrm>
       </p:grpSpPr>
-      <p:sp>
-        <p:nvSpPr>
-          <p:cNvPr id="2" name="Shape 0"/>
+      <p:pic>
+        <p:nvPicPr>
+          <p:cNvPr id="2" name="Image 0" descr="preencoded.png">    </p:cNvPr>
+          <p:cNvPicPr>
+            <a:picLocks noChangeAspect="1"/>
+          </p:cNvPicPr>
+          <p:nvPr/>
+        </p:nvPicPr>
+        <p:blipFill>
+          <a:blip r:embed="rId1"/>
+          <a:stretch>
+            <a:fillRect/>
+          </a:stretch>
+        </p:blipFill>
+        <p:spPr>
+          <a:xfrm>
+            <a:off x="274320" y="137160"/>
+            <a:ext cx="1097280" cy="457200"/>
+          </a:xfrm>
+          <a:prstGeom prst="rect">
+            <a:avLst/>
+          </a:prstGeom>
+        </p:spPr>
+      </p:pic>
+      <p:sp>
+        <p:nvSpPr>
+          <p:cNvPr id="3" name="Shape 0"/>
           <p:cNvSpPr/>
           <p:nvPr/>
         </p:nvSpPr>
@@ -2996,7 +3016,7 @@
       </p:sp>
       <p:sp>
         <p:nvSpPr>
-          <p:cNvPr id="3" name="Text 1"/>
+          <p:cNvPr id="4" name="Text 1"/>
           <p:cNvSpPr/>
           <p:nvPr/>
         </p:nvSpPr>
@@ -3027,7 +3047,7 @@
                 <a:ea typeface="Arial" pitchFamily="34" charset="-122"/>
                 <a:cs typeface="Arial" pitchFamily="34" charset="-120"/>
               </a:rPr>
-              <a:t>Estratégias de Eliminação</a:t>
+              <a:t>Estratégias</a:t>
             </a:r>
             <a:endParaRPr lang="en-US" sz="1800" dirty="0"/>
           </a:p>
@@ -3035,7 +3055,7 @@
       </p:sp>
       <p:sp>
         <p:nvSpPr>
-          <p:cNvPr id="4" name="Text 2"/>
+          <p:cNvPr id="5" name="Text 2"/>
           <p:cNvSpPr/>
           <p:nvPr/>
         </p:nvSpPr>
@@ -3074,7 +3094,7 @@
       </p:sp>
       <p:sp>
         <p:nvSpPr>
-          <p:cNvPr id="5" name="Text 3"/>
+          <p:cNvPr id="6" name="Text 3"/>
           <p:cNvSpPr/>
           <p:nvPr/>
         </p:nvSpPr>
@@ -3113,7 +3133,7 @@
       </p:sp>
       <p:sp>
         <p:nvSpPr>
-          <p:cNvPr id="6" name="Text 4"/>
+          <p:cNvPr id="7" name="Text 4"/>
           <p:cNvSpPr/>
           <p:nvPr/>
         </p:nvSpPr>
@@ -3152,7 +3172,7 @@
       </p:sp>
       <p:sp>
         <p:nvSpPr>
-          <p:cNvPr id="7" name="Text 5"/>
+          <p:cNvPr id="8" name="Text 5"/>
           <p:cNvSpPr/>
           <p:nvPr/>
         </p:nvSpPr>
@@ -3191,7 +3211,7 @@
       </p:sp>
       <p:sp>
         <p:nvSpPr>
-          <p:cNvPr id="8" name="Text 6"/>
+          <p:cNvPr id="9" name="Text 6"/>
           <p:cNvSpPr/>
           <p:nvPr/>
         </p:nvSpPr>
@@ -3230,7 +3250,7 @@
       </p:sp>
       <p:sp>
         <p:nvSpPr>
-          <p:cNvPr id="9" name="Text 7"/>
+          <p:cNvPr id="10" name="Text 7"/>
           <p:cNvSpPr/>
           <p:nvPr/>
         </p:nvSpPr>
@@ -3269,7 +3289,7 @@
       </p:sp>
       <p:sp>
         <p:nvSpPr>
-          <p:cNvPr id="10" name="Text 8"/>
+          <p:cNvPr id="11" name="Text 8"/>
           <p:cNvSpPr/>
           <p:nvPr/>
         </p:nvSpPr>
@@ -3308,7 +3328,7 @@
       </p:sp>
       <p:sp>
         <p:nvSpPr>
-          <p:cNvPr id="11" name="Text 9"/>
+          <p:cNvPr id="12" name="Text 9"/>
           <p:cNvSpPr/>
           <p:nvPr/>
         </p:nvSpPr>
@@ -3339,7 +3359,7 @@
                 <a:ea typeface="Arial" pitchFamily="34" charset="-122"/>
                 <a:cs typeface="Arial" pitchFamily="34" charset="-120"/>
               </a:rPr>
-              <a:t>Eliminar vs. delegar</a:t>
+              <a:t>Eliminar ou delegar</a:t>
             </a:r>
             <a:endParaRPr lang="en-US" sz="1500" dirty="0"/>
           </a:p>
@@ -3356,6 +3376,13 @@
 <file path=ppt/slides/slide6.xml><?xml version="1.0" encoding="utf-8"?>
 <p:sld xmlns:a="http://schemas.openxmlformats.org/drawingml/2006/main" xmlns:r="http://schemas.openxmlformats.org/officeDocument/2006/relationships" xmlns:p="http://schemas.openxmlformats.org/presentationml/2006/main">
   <p:cSld name="Slide 6">
+    <p:bg>
+      <p:bgPr>
+        <a:solidFill>
+          <a:srgbClr val="1A1A2E"/>
+        </a:solidFill>
+      </p:bgPr>
+    </p:bg>
     <p:spTree>
       <p:nvGrpSpPr>
         <p:cNvPr id="1" name=""/>
@@ -3370,9 +3397,33 @@
           <a:chExt cx="0" cy="0"/>
         </a:xfrm>
       </p:grpSpPr>
-      <p:sp>
-        <p:nvSpPr>
-          <p:cNvPr id="2" name="Shape 0"/>
+      <p:pic>
+        <p:nvPicPr>
+          <p:cNvPr id="2" name="Image 0" descr="preencoded.png">    </p:cNvPr>
+          <p:cNvPicPr>
+            <a:picLocks noChangeAspect="1"/>
+          </p:cNvPicPr>
+          <p:nvPr/>
+        </p:nvPicPr>
+        <p:blipFill>
+          <a:blip r:embed="rId1"/>
+          <a:stretch>
+            <a:fillRect/>
+          </a:stretch>
+        </p:blipFill>
+        <p:spPr>
+          <a:xfrm>
+            <a:off x="274320" y="137160"/>
+            <a:ext cx="1097280" cy="457200"/>
+          </a:xfrm>
+          <a:prstGeom prst="rect">
+            <a:avLst/>
+          </a:prstGeom>
+        </p:spPr>
+      </p:pic>
+      <p:sp>
+        <p:nvSpPr>
+          <p:cNvPr id="3" name="Shape 0"/>
           <p:cNvSpPr/>
           <p:nvPr/>
         </p:nvSpPr>
@@ -3392,7 +3443,7 @@
       </p:sp>
       <p:sp>
         <p:nvSpPr>
-          <p:cNvPr id="3" name="Text 1"/>
+          <p:cNvPr id="4" name="Text 1"/>
           <p:cNvSpPr/>
           <p:nvPr/>
         </p:nvSpPr>
@@ -3423,7 +3474,7 @@
                 <a:ea typeface="Arial" pitchFamily="34" charset="-122"/>
                 <a:cs typeface="Arial" pitchFamily="34" charset="-120"/>
               </a:rPr>
-              <a:t>Proteger o Recuperado</a:t>
+              <a:t>Proteger</a:t>
             </a:r>
             <a:endParaRPr lang="en-US" sz="1800" dirty="0"/>
           </a:p>
@@ -3431,7 +3482,7 @@
       </p:sp>
       <p:sp>
         <p:nvSpPr>
-          <p:cNvPr id="4" name="Text 2"/>
+          <p:cNvPr id="5" name="Text 2"/>
           <p:cNvSpPr/>
           <p:nvPr/>
         </p:nvSpPr>
@@ -3470,7 +3521,7 @@
       </p:sp>
       <p:sp>
         <p:nvSpPr>
-          <p:cNvPr id="5" name="Text 3"/>
+          <p:cNvPr id="6" name="Text 3"/>
           <p:cNvSpPr/>
           <p:nvPr/>
         </p:nvSpPr>
@@ -3509,7 +3560,7 @@
       </p:sp>
       <p:sp>
         <p:nvSpPr>
-          <p:cNvPr id="6" name="Text 4"/>
+          <p:cNvPr id="7" name="Text 4"/>
           <p:cNvSpPr/>
           <p:nvPr/>
         </p:nvSpPr>
@@ -3548,7 +3599,7 @@
       </p:sp>
       <p:sp>
         <p:nvSpPr>
-          <p:cNvPr id="7" name="Text 5"/>
+          <p:cNvPr id="8" name="Text 5"/>
           <p:cNvSpPr/>
           <p:nvPr/>
         </p:nvSpPr>
@@ -3579,7 +3630,7 @@
                 <a:ea typeface="Arial" pitchFamily="34" charset="-122"/>
                 <a:cs typeface="Arial" pitchFamily="34" charset="-120"/>
               </a:rPr>
-              <a:t>Bloquear tempo para foco</a:t>
+              <a:t>Bloquear tempo</a:t>
             </a:r>
             <a:endParaRPr lang="en-US" sz="1500" dirty="0"/>
           </a:p>
@@ -3587,7 +3638,7 @@
       </p:sp>
       <p:sp>
         <p:nvSpPr>
-          <p:cNvPr id="8" name="Text 6"/>
+          <p:cNvPr id="9" name="Text 6"/>
           <p:cNvSpPr/>
           <p:nvPr/>
         </p:nvSpPr>
@@ -3626,7 +3677,7 @@
       </p:sp>
       <p:sp>
         <p:nvSpPr>
-          <p:cNvPr id="9" name="Text 7"/>
+          <p:cNvPr id="10" name="Text 7"/>
           <p:cNvSpPr/>
           <p:nvPr/>
         </p:nvSpPr>
@@ -3674,6 +3725,13 @@
 <file path=ppt/slides/slide7.xml><?xml version="1.0" encoding="utf-8"?>
 <p:sld xmlns:a="http://schemas.openxmlformats.org/drawingml/2006/main" xmlns:r="http://schemas.openxmlformats.org/officeDocument/2006/relationships" xmlns:p="http://schemas.openxmlformats.org/presentationml/2006/main">
   <p:cSld name="Slide 7">
+    <p:bg>
+      <p:bgPr>
+        <a:solidFill>
+          <a:srgbClr val="1A1A2E"/>
+        </a:solidFill>
+      </p:bgPr>
+    </p:bg>
     <p:spTree>
       <p:nvGrpSpPr>
         <p:cNvPr id="1" name=""/>
@@ -3688,9 +3746,33 @@
           <a:chExt cx="0" cy="0"/>
         </a:xfrm>
       </p:grpSpPr>
-      <p:sp>
-        <p:nvSpPr>
-          <p:cNvPr id="2" name="Shape 0"/>
+      <p:pic>
+        <p:nvPicPr>
+          <p:cNvPr id="2" name="Image 0" descr="preencoded.png">    </p:cNvPr>
+          <p:cNvPicPr>
+            <a:picLocks noChangeAspect="1"/>
+          </p:cNvPicPr>
+          <p:nvPr/>
+        </p:nvPicPr>
+        <p:blipFill>
+          <a:blip r:embed="rId1"/>
+          <a:stretch>
+            <a:fillRect/>
+          </a:stretch>
+        </p:blipFill>
+        <p:spPr>
+          <a:xfrm>
+            <a:off x="274320" y="137160"/>
+            <a:ext cx="1097280" cy="457200"/>
+          </a:xfrm>
+          <a:prstGeom prst="rect">
+            <a:avLst/>
+          </a:prstGeom>
+        </p:spPr>
+      </p:pic>
+      <p:sp>
+        <p:nvSpPr>
+          <p:cNvPr id="3" name="Shape 0"/>
           <p:cNvSpPr/>
           <p:nvPr/>
         </p:nvSpPr>
@@ -3710,7 +3792,7 @@
       </p:sp>
       <p:sp>
         <p:nvSpPr>
-          <p:cNvPr id="3" name="Text 1"/>
+          <p:cNvPr id="4" name="Text 1"/>
           <p:cNvSpPr/>
           <p:nvPr/>
         </p:nvSpPr>
@@ -3749,7 +3831,7 @@
       </p:sp>
       <p:sp>
         <p:nvSpPr>
-          <p:cNvPr id="4" name="Text 2"/>
+          <p:cNvPr id="5" name="Text 2"/>
           <p:cNvSpPr/>
           <p:nvPr/>
         </p:nvSpPr>
@@ -3788,7 +3870,7 @@
       </p:sp>
       <p:sp>
         <p:nvSpPr>
-          <p:cNvPr id="5" name="Text 3"/>
+          <p:cNvPr id="6" name="Text 3"/>
           <p:cNvSpPr/>
           <p:nvPr/>
         </p:nvSpPr>
@@ -3819,7 +3901,7 @@
                 <a:ea typeface="Arial" pitchFamily="34" charset="-122"/>
                 <a:cs typeface="Arial" pitchFamily="34" charset="-120"/>
               </a:rPr>
-              <a:t>Ladrões parecem produtivos mas não são</a:t>
+              <a:t>Ladrões parecem produtivos</a:t>
             </a:r>
             <a:endParaRPr lang="en-US" sz="1500" dirty="0"/>
           </a:p>
@@ -3827,7 +3909,7 @@
       </p:sp>
       <p:sp>
         <p:nvSpPr>
-          <p:cNvPr id="6" name="Text 4"/>
+          <p:cNvPr id="7" name="Text 4"/>
           <p:cNvSpPr/>
           <p:nvPr/>
         </p:nvSpPr>
@@ -3866,7 +3948,7 @@
       </p:sp>
       <p:sp>
         <p:nvSpPr>
-          <p:cNvPr id="7" name="Text 5"/>
+          <p:cNvPr id="8" name="Text 5"/>
           <p:cNvSpPr/>
           <p:nvPr/>
         </p:nvSpPr>
@@ -3897,7 +3979,7 @@
                 <a:ea typeface="Arial" pitchFamily="34" charset="-122"/>
                 <a:cs typeface="Arial" pitchFamily="34" charset="-120"/>
               </a:rPr>
-              <a:t>Auditoria revela a verdade</a:t>
+              <a:t>Auditoria revela verdade</a:t>
             </a:r>
             <a:endParaRPr lang="en-US" sz="1500" dirty="0"/>
           </a:p>
@@ -3905,7 +3987,7 @@
       </p:sp>
       <p:sp>
         <p:nvSpPr>
-          <p:cNvPr id="8" name="Text 6"/>
+          <p:cNvPr id="9" name="Text 6"/>
           <p:cNvSpPr/>
           <p:nvPr/>
         </p:nvSpPr>
@@ -3944,7 +4026,7 @@
       </p:sp>
       <p:sp>
         <p:nvSpPr>
-          <p:cNvPr id="9" name="Text 7"/>
+          <p:cNvPr id="10" name="Text 7"/>
           <p:cNvSpPr/>
           <p:nvPr/>
         </p:nvSpPr>
@@ -3975,7 +4057,7 @@
                 <a:ea typeface="Arial" pitchFamily="34" charset="-122"/>
                 <a:cs typeface="Arial" pitchFamily="34" charset="-120"/>
               </a:rPr>
-              <a:t>Estratégias: batch, time box, 2 minutos</a:t>
+              <a:t>Batch, time box, 2 minutos</a:t>
             </a:r>
             <a:endParaRPr lang="en-US" sz="1500" dirty="0"/>
           </a:p>
@@ -3983,7 +4065,7 @@
       </p:sp>
       <p:sp>
         <p:nvSpPr>
-          <p:cNvPr id="10" name="Text 8"/>
+          <p:cNvPr id="11" name="Text 8"/>
           <p:cNvSpPr/>
           <p:nvPr/>
         </p:nvSpPr>
@@ -4022,7 +4104,7 @@
       </p:sp>
       <p:sp>
         <p:nvSpPr>
-          <p:cNvPr id="11" name="Text 9"/>
+          <p:cNvPr id="12" name="Text 9"/>
           <p:cNvSpPr/>
           <p:nvPr/>
         </p:nvSpPr>
@@ -4070,6 +4152,13 @@
 <file path=ppt/slides/slide8.xml><?xml version="1.0" encoding="utf-8"?>
 <p:sld xmlns:a="http://schemas.openxmlformats.org/drawingml/2006/main" xmlns:r="http://schemas.openxmlformats.org/officeDocument/2006/relationships" xmlns:p="http://schemas.openxmlformats.org/presentationml/2006/main">
   <p:cSld name="Slide 8">
+    <p:bg>
+      <p:bgPr>
+        <a:solidFill>
+          <a:srgbClr val="1A1A2E"/>
+        </a:solidFill>
+      </p:bgPr>
+    </p:bg>
     <p:spTree>
       <p:nvGrpSpPr>
         <p:cNvPr id="1" name=""/>
@@ -4084,9 +4173,33 @@
           <a:chExt cx="0" cy="0"/>
         </a:xfrm>
       </p:grpSpPr>
-      <p:sp>
-        <p:nvSpPr>
-          <p:cNvPr id="2" name="Shape 0"/>
+      <p:pic>
+        <p:nvPicPr>
+          <p:cNvPr id="2" name="Image 0" descr="preencoded.png">    </p:cNvPr>
+          <p:cNvPicPr>
+            <a:picLocks noChangeAspect="1"/>
+          </p:cNvPicPr>
+          <p:nvPr/>
+        </p:nvPicPr>
+        <p:blipFill>
+          <a:blip r:embed="rId1"/>
+          <a:stretch>
+            <a:fillRect/>
+          </a:stretch>
+        </p:blipFill>
+        <p:spPr>
+          <a:xfrm>
+            <a:off x="274320" y="137160"/>
+            <a:ext cx="1097280" cy="457200"/>
+          </a:xfrm>
+          <a:prstGeom prst="rect">
+            <a:avLst/>
+          </a:prstGeom>
+        </p:spPr>
+      </p:pic>
+      <p:sp>
+        <p:nvSpPr>
+          <p:cNvPr id="3" name="Shape 0"/>
           <p:cNvSpPr/>
           <p:nvPr/>
         </p:nvSpPr>
@@ -4106,7 +4219,7 @@
       </p:sp>
       <p:sp>
         <p:nvSpPr>
-          <p:cNvPr id="3" name="Text 1"/>
+          <p:cNvPr id="4" name="Text 1"/>
           <p:cNvSpPr/>
           <p:nvPr/>
         </p:nvSpPr>
@@ -4145,7 +4258,7 @@
       </p:sp>
       <p:sp>
         <p:nvSpPr>
-          <p:cNvPr id="4" name="Shape 2"/>
+          <p:cNvPr id="5" name="Shape 2"/>
           <p:cNvSpPr/>
           <p:nvPr/>
         </p:nvSpPr>
@@ -4170,7 +4283,7 @@
       </p:sp>
       <p:sp>
         <p:nvSpPr>
-          <p:cNvPr id="5" name="Text 3"/>
+          <p:cNvPr id="6" name="Text 3"/>
           <p:cNvSpPr/>
           <p:nvPr/>
         </p:nvSpPr>
@@ -4201,7 +4314,7 @@
                 <a:ea typeface="Arial" pitchFamily="34" charset="-122"/>
                 <a:cs typeface="Arial" pitchFamily="34" charset="-120"/>
               </a:rPr>
-              <a:t>Auditoria de 3 Dias: Rastrear tempo + identificar top 3 ladrões + plano de eliminação</a:t>
+              <a:t>Auditoria de 3 Dias: rastrear + top 3 ladrões + plano</a:t>
             </a:r>
             <a:endParaRPr lang="en-US" sz="1500" dirty="0"/>
           </a:p>
@@ -4209,7 +4322,7 @@
       </p:sp>
       <p:sp>
         <p:nvSpPr>
-          <p:cNvPr id="6" name="Text 4"/>
+          <p:cNvPr id="7" name="Text 4"/>
           <p:cNvSpPr/>
           <p:nvPr/>
         </p:nvSpPr>
@@ -4257,6 +4370,13 @@
 <file path=ppt/slides/slide9.xml><?xml version="1.0" encoding="utf-8"?>
 <p:sld xmlns:a="http://schemas.openxmlformats.org/drawingml/2006/main" xmlns:r="http://schemas.openxmlformats.org/officeDocument/2006/relationships" xmlns:p="http://schemas.openxmlformats.org/presentationml/2006/main">
   <p:cSld name="Slide 9">
+    <p:bg>
+      <p:bgPr>
+        <a:solidFill>
+          <a:srgbClr val="1A1A2E"/>
+        </a:solidFill>
+      </p:bgPr>
+    </p:bg>
     <p:spTree>
       <p:nvGrpSpPr>
         <p:cNvPr id="1" name=""/>
@@ -4271,9 +4391,33 @@
           <a:chExt cx="0" cy="0"/>
         </a:xfrm>
       </p:grpSpPr>
-      <p:sp>
-        <p:nvSpPr>
-          <p:cNvPr id="2" name="Shape 0"/>
+      <p:pic>
+        <p:nvPicPr>
+          <p:cNvPr id="2" name="Image 0" descr="preencoded.png">    </p:cNvPr>
+          <p:cNvPicPr>
+            <a:picLocks noChangeAspect="1"/>
+          </p:cNvPicPr>
+          <p:nvPr/>
+        </p:nvPicPr>
+        <p:blipFill>
+          <a:blip r:embed="rId1"/>
+          <a:stretch>
+            <a:fillRect/>
+          </a:stretch>
+        </p:blipFill>
+        <p:spPr>
+          <a:xfrm>
+            <a:off x="274320" y="137160"/>
+            <a:ext cx="1097280" cy="457200"/>
+          </a:xfrm>
+          <a:prstGeom prst="rect">
+            <a:avLst/>
+          </a:prstGeom>
+        </p:spPr>
+      </p:pic>
+      <p:sp>
+        <p:nvSpPr>
+          <p:cNvPr id="3" name="Shape 0"/>
           <p:cNvSpPr/>
           <p:nvPr/>
         </p:nvSpPr>
@@ -4293,7 +4437,7 @@
       </p:sp>
       <p:sp>
         <p:nvSpPr>
-          <p:cNvPr id="3" name="Text 1"/>
+          <p:cNvPr id="4" name="Text 1"/>
           <p:cNvSpPr/>
           <p:nvPr/>
         </p:nvSpPr>
@@ -4332,7 +4476,7 @@
       </p:sp>
       <p:sp>
         <p:nvSpPr>
-          <p:cNvPr id="4" name="Shape 2"/>
+          <p:cNvPr id="5" name="Shape 2"/>
           <p:cNvSpPr/>
           <p:nvPr/>
         </p:nvSpPr>
@@ -4357,7 +4501,7 @@
       </p:sp>
       <p:sp>
         <p:nvSpPr>
-          <p:cNvPr id="5" name="Text 3"/>
+          <p:cNvPr id="6" name="Text 3"/>
           <p:cNvSpPr/>
           <p:nvPr/>
         </p:nvSpPr>
@@ -4388,7 +4532,7 @@
                 <a:ea typeface="Arial" pitchFamily="34" charset="-122"/>
                 <a:cs typeface="Arial" pitchFamily="34" charset="-120"/>
               </a:rPr>
-              <a:t>"Você não precisa de mais tempo. Precisa eliminar o que rouba o que já tem."</a:t>
+              <a:t>"Não precisa de mais tempo. Elimine o que rouba."</a:t>
             </a:r>
             <a:endParaRPr lang="en-US" sz="1600" dirty="0"/>
           </a:p>
@@ -4396,7 +4540,7 @@
       </p:sp>
       <p:sp>
         <p:nvSpPr>
-          <p:cNvPr id="6" name="Text 4"/>
+          <p:cNvPr id="7" name="Text 4"/>
           <p:cNvSpPr/>
           <p:nvPr/>
         </p:nvSpPr>
@@ -4435,7 +4579,7 @@
       </p:sp>
       <p:sp>
         <p:nvSpPr>
-          <p:cNvPr id="7" name="Text 5"/>
+          <p:cNvPr id="8" name="Text 5"/>
           <p:cNvSpPr/>
           <p:nvPr/>
         </p:nvSpPr>

--- a/apresentacoes/foco-produtividade/aula-09-ladroes-tempo.pptx
+++ b/apresentacoes/foco-produtividade/aula-09-ladroes-tempo.pptx
@@ -510,7 +510,8 @@
           <a:p>
             <a:r>
               <a:rPr lang="en-US" dirty="0"/>
-              <a:t/>
+              <a:t>"Onde foi meu tempo?" Se você já fez essa pergunta no final de um dia, semana ou mês, você foi vítima dos Ladrões de Tempo.
+Diferente das distrações óbvias, os ladrões de tempo são insidiosos. Parecem produtivos. Parecem necessários. Mas quando você analisa de perto, percebe que drenam horas preciosas sem retorno real.</a:t>
             </a:r>
             <a:endParaRPr lang="en-US" dirty="0"/>
           </a:p>
@@ -598,7 +599,8 @@
           <a:p>
             <a:r>
               <a:rPr lang="en-US" dirty="0"/>
-              <a:t/>
+              <a:t>Nesta aula, você vai aprender os conceitos principais apresentados nos objetivos. "Onde foi meu tempo?" Se você já fez essa pergunta no final de um dia, semana ou mês, você foi vítima dos Ladrões de Tempo.
+Diferente das distrações óbvias, os ladrões de tempo são insidiosos. Pa</a:t>
             </a:r>
             <a:endParaRPr lang="en-US" dirty="0"/>
           </a:p>
@@ -686,7 +688,17 @@
           <a:p>
             <a:r>
               <a:rPr lang="en-US" dirty="0"/>
-              <a:t/>
+              <a:t>Os 10 maiores ladrões de tempo
+1. Redes sociais sem propósito - "Só vou dar uma olhada" que vira 40 minutos.
+2. E-mail como tarefa contínua - Verificar a cada 5 minutos em vez de horários específicos.
+3. Reuniões desnecessárias - Aquelas que poderiam ser um e-mail ou nem existir.
+4. Perfeccionismo paralisante - Gastar 3 horas polindo algo que estava bom em 1 hora.
+5. Falta de planejamento - Começar o dia sem saber o que fazer, desperdiçando energia em decisões.
+6. Procrastinação disfarçada - Fazer tarefas menos importantes para evitar as importantes.
+7. Multitarefa - Fazer três coisas mal em vez de uma bem.
+8. Dificuldade em dizer não - Aceitar compromissos que não agregam.
+9. Desorganização - Tempo perdido procurando coisas.
+10. Falta de priorização - Tratar tudo como urgente, nada recebe atenção devida.</a:t>
             </a:r>
             <a:endParaRPr lang="en-US" dirty="0"/>
           </a:p>
@@ -774,7 +786,12 @@
           <a:p>
             <a:r>
               <a:rPr lang="en-US" dirty="0"/>
-              <a:t/>
+              <a:t>Auditoria pessoal
+Faça um rastreamento de tempo por 3 dias:
+- A cada 30 minutos, anote o que fez
+- Seja brutalmente honesto
+- No final, categorize: produtivo, neutro, desperdiçado
+O resultado costuma ser chocante. Muita gente descobre que desperdiça 3-4 horas por dia sem perceber.</a:t>
             </a:r>
             <a:endParaRPr lang="en-US" dirty="0"/>
           </a:p>
@@ -862,7 +879,11 @@
           <a:p>
             <a:r>
               <a:rPr lang="en-US" dirty="0"/>
-              <a:t/>
+              <a:t>Estratégias de eliminação
+Batch Processing: Agrupe tarefas similares. Responda todos os e-mails em dois momentos do dia, não ao longo dele.
+Time Boxing: Defina tempo máximo para tarefas. "Vou gastar no máximo 30 minutos nisso."
+Regra dos 2 minutos: Se leva menos de 2 minutos, faça agora. Se leva mais, agende.
+Eliminação vs. Delegação: Algumas coisas não precisam ser feitas de jeito nenhum. Questione: "O que acontece se eu simplesmente não fizer isso?"</a:t>
             </a:r>
             <a:endParaRPr lang="en-US" dirty="0"/>
           </a:p>
@@ -950,7 +971,7 @@
           <a:p>
             <a:r>
               <a:rPr lang="en-US" dirty="0"/>
-              <a:t/>
+              <a:t>Resumo dos pontos principais da aula.</a:t>
             </a:r>
             <a:endParaRPr lang="en-US" dirty="0"/>
           </a:p>
@@ -1038,7 +1059,7 @@
           <a:p>
             <a:r>
               <a:rPr lang="en-US" dirty="0"/>
-              <a:t/>
+              <a:t>Este infográfico resume visualmente os principais conceitos da aula. Use-o para reforçar o aprendizado.</a:t>
             </a:r>
             <a:endParaRPr lang="en-US" dirty="0"/>
           </a:p>
@@ -1126,7 +1147,12 @@
           <a:p>
             <a:r>
               <a:rPr lang="en-US" dirty="0"/>
-              <a:t/>
+              <a:t>Agora é hora da prática! 1. Rastreamento (3 dias)
+   - A cada 30 min, anote a atividade
+   - Use app ou papel
+2. Análise
+   - Some tempo por categoria
+   - Identifique seus top 3 ladrões</a:t>
             </a:r>
             <a:endParaRPr lang="en-US" dirty="0"/>
           </a:p>
@@ -1214,7 +1240,8 @@
           <a:p>
             <a:r>
               <a:rPr lang="en-US" dirty="0"/>
-              <a:t/>
+              <a:t>Seus ladrões de tempo são únicos. A auditoria vai revelá-los. E uma vez revelados, você pode eliminá-los sistematicamente.
+Na Aula 10, última deste bloco, vamos aprender Técnicas de Memorização e Retenção - porque não adianta focar se você não retém o que estudou.</a:t>
             </a:r>
             <a:endParaRPr lang="en-US" dirty="0"/>
           </a:p>
@@ -1640,7 +1667,7 @@
                 <a:ea typeface="Arial" pitchFamily="34" charset="-122"/>
                 <a:cs typeface="Arial" pitchFamily="34" charset="-120"/>
               </a:rPr>
-              <a:t>Módulo 1 - Hiperfoco | Bloco: Atenção</a:t>
+              <a:t>1 - Hiperfoco e Hiperprodutividade | Bloco: Atenção</a:t>
             </a:r>
             <a:endParaRPr lang="en-US" sz="1400" dirty="0"/>
           </a:p>
@@ -1758,7 +1785,7 @@
                 <a:ea typeface="Arial" pitchFamily="34" charset="-122"/>
                 <a:cs typeface="Arial" pitchFamily="34" charset="-120"/>
               </a:rPr>
-              <a:t>Eliminando os Ladrões de Tempo</a:t>
+              <a:t>Identificando e Eliminando os Ladrões de Tempo</a:t>
             </a:r>
             <a:endParaRPr lang="en-US" sz="2800" dirty="0"/>
           </a:p>
@@ -1881,7 +1908,7 @@
                 <a:ea typeface="Arial" pitchFamily="34" charset="-122"/>
                 <a:cs typeface="Arial" pitchFamily="34" charset="-120"/>
               </a:rPr>
-              <a:t>⏱ Duração: ~25 min</a:t>
+              <a:t>⏱ Duração: ~22 minutos</a:t>
             </a:r>
             <a:endParaRPr lang="en-US" sz="1100" dirty="0"/>
           </a:p>
@@ -2017,7 +2044,7 @@
       </p:sp>
       <p:pic>
         <p:nvPicPr>
-          <p:cNvPr id="16" name="Image 0" descr="preencoded.png">    </p:cNvPr>
+          <p:cNvPr id="17" name="Image 0" descr="preencoded.png">    </p:cNvPr>
           <p:cNvPicPr>
             <a:picLocks noChangeAspect="1"/>
           </p:cNvPicPr>
@@ -2138,375 +2165,6 @@
         </p:nvSpPr>
         <p:spPr>
           <a:xfrm>
-            <a:off x="457200" y="1097280"/>
-            <a:ext cx="8229600" cy="822960"/>
-          </a:xfrm>
-          <a:prstGeom prst="roundRect">
-            <a:avLst/>
-          </a:prstGeom>
-          <a:solidFill>
-            <a:srgbClr val="2A2A4A"/>
-          </a:solidFill>
-          <a:ln w="25400">
-            <a:solidFill>
-              <a:srgbClr val="667EEA"/>
-            </a:solidFill>
-            <a:prstDash val="solid"/>
-          </a:ln>
-        </p:spPr>
-      </p:sp>
-      <p:sp>
-        <p:nvSpPr>
-          <p:cNvPr id="5" name="Shape 3"/>
-          <p:cNvSpPr/>
-          <p:nvPr/>
-        </p:nvSpPr>
-        <p:spPr>
-          <a:xfrm>
-            <a:off x="640080" y="1234440"/>
-            <a:ext cx="548640" cy="548640"/>
-          </a:xfrm>
-          <a:prstGeom prst="ellipse">
-            <a:avLst/>
-          </a:prstGeom>
-          <a:solidFill>
-            <a:srgbClr val="667EEA"/>
-          </a:solidFill>
-          <a:ln/>
-        </p:spPr>
-      </p:sp>
-      <p:sp>
-        <p:nvSpPr>
-          <p:cNvPr id="6" name="Text 4"/>
-          <p:cNvSpPr/>
-          <p:nvPr/>
-        </p:nvSpPr>
-        <p:spPr>
-          <a:xfrm>
-            <a:off x="640080" y="1325880"/>
-            <a:ext cx="548640" cy="365760"/>
-          </a:xfrm>
-          <a:prstGeom prst="rect">
-            <a:avLst/>
-          </a:prstGeom>
-          <a:noFill/>
-          <a:ln/>
-        </p:spPr>
-        <p:txBody>
-          <a:bodyPr wrap="square" rtlCol="0" anchor="ctr"/>
-          <a:lstStyle/>
-          <a:p>
-            <a:pPr algn="ctr" indent="0" marL="0">
-              <a:buNone/>
-            </a:pPr>
-            <a:r>
-              <a:rPr lang="en-US" sz="1800" b="1" dirty="0">
-                <a:solidFill>
-                  <a:srgbClr val="FFFFFF"/>
-                </a:solidFill>
-                <a:latin typeface="Arial" pitchFamily="34" charset="0"/>
-                <a:ea typeface="Arial" pitchFamily="34" charset="-122"/>
-                <a:cs typeface="Arial" pitchFamily="34" charset="-120"/>
-              </a:rPr>
-              <a:t>1</a:t>
-            </a:r>
-            <a:endParaRPr lang="en-US" sz="1800" dirty="0"/>
-          </a:p>
-        </p:txBody>
-      </p:sp>
-      <p:sp>
-        <p:nvSpPr>
-          <p:cNvPr id="7" name="Text 5"/>
-          <p:cNvSpPr/>
-          <p:nvPr/>
-        </p:nvSpPr>
-        <p:spPr>
-          <a:xfrm>
-            <a:off x="1371600" y="1325880"/>
-            <a:ext cx="7132320" cy="457200"/>
-          </a:xfrm>
-          <a:prstGeom prst="rect">
-            <a:avLst/>
-          </a:prstGeom>
-          <a:noFill/>
-          <a:ln/>
-        </p:spPr>
-        <p:txBody>
-          <a:bodyPr wrap="square" rtlCol="0" anchor="ctr"/>
-          <a:lstStyle/>
-          <a:p>
-            <a:pPr indent="0" marL="0">
-              <a:buNone/>
-            </a:pPr>
-            <a:r>
-              <a:rPr lang="en-US" sz="1600" dirty="0">
-                <a:solidFill>
-                  <a:srgbClr val="FFFFFF"/>
-                </a:solidFill>
-                <a:latin typeface="Arial" pitchFamily="34" charset="0"/>
-                <a:ea typeface="Arial" pitchFamily="34" charset="-122"/>
-                <a:cs typeface="Arial" pitchFamily="34" charset="-120"/>
-              </a:rPr>
-              <a:t>Identificar os 10 maiores ladrões</a:t>
-            </a:r>
-            <a:endParaRPr lang="en-US" sz="1600" dirty="0"/>
-          </a:p>
-        </p:txBody>
-      </p:sp>
-      <p:sp>
-        <p:nvSpPr>
-          <p:cNvPr id="8" name="Shape 6"/>
-          <p:cNvSpPr/>
-          <p:nvPr/>
-        </p:nvSpPr>
-        <p:spPr>
-          <a:xfrm>
-            <a:off x="457200" y="2103120"/>
-            <a:ext cx="8229600" cy="822960"/>
-          </a:xfrm>
-          <a:prstGeom prst="roundRect">
-            <a:avLst/>
-          </a:prstGeom>
-          <a:solidFill>
-            <a:srgbClr val="2A2A4A"/>
-          </a:solidFill>
-          <a:ln w="25400">
-            <a:solidFill>
-              <a:srgbClr val="22C55E"/>
-            </a:solidFill>
-            <a:prstDash val="solid"/>
-          </a:ln>
-        </p:spPr>
-      </p:sp>
-      <p:sp>
-        <p:nvSpPr>
-          <p:cNvPr id="9" name="Shape 7"/>
-          <p:cNvSpPr/>
-          <p:nvPr/>
-        </p:nvSpPr>
-        <p:spPr>
-          <a:xfrm>
-            <a:off x="640080" y="2240280"/>
-            <a:ext cx="548640" cy="548640"/>
-          </a:xfrm>
-          <a:prstGeom prst="ellipse">
-            <a:avLst/>
-          </a:prstGeom>
-          <a:solidFill>
-            <a:srgbClr val="22C55E"/>
-          </a:solidFill>
-          <a:ln/>
-        </p:spPr>
-      </p:sp>
-      <p:sp>
-        <p:nvSpPr>
-          <p:cNvPr id="10" name="Text 8"/>
-          <p:cNvSpPr/>
-          <p:nvPr/>
-        </p:nvSpPr>
-        <p:spPr>
-          <a:xfrm>
-            <a:off x="640080" y="2331720"/>
-            <a:ext cx="548640" cy="365760"/>
-          </a:xfrm>
-          <a:prstGeom prst="rect">
-            <a:avLst/>
-          </a:prstGeom>
-          <a:noFill/>
-          <a:ln/>
-        </p:spPr>
-        <p:txBody>
-          <a:bodyPr wrap="square" rtlCol="0" anchor="ctr"/>
-          <a:lstStyle/>
-          <a:p>
-            <a:pPr algn="ctr" indent="0" marL="0">
-              <a:buNone/>
-            </a:pPr>
-            <a:r>
-              <a:rPr lang="en-US" sz="1800" b="1" dirty="0">
-                <a:solidFill>
-                  <a:srgbClr val="FFFFFF"/>
-                </a:solidFill>
-                <a:latin typeface="Arial" pitchFamily="34" charset="0"/>
-                <a:ea typeface="Arial" pitchFamily="34" charset="-122"/>
-                <a:cs typeface="Arial" pitchFamily="34" charset="-120"/>
-              </a:rPr>
-              <a:t>2</a:t>
-            </a:r>
-            <a:endParaRPr lang="en-US" sz="1800" dirty="0"/>
-          </a:p>
-        </p:txBody>
-      </p:sp>
-      <p:sp>
-        <p:nvSpPr>
-          <p:cNvPr id="11" name="Text 9"/>
-          <p:cNvSpPr/>
-          <p:nvPr/>
-        </p:nvSpPr>
-        <p:spPr>
-          <a:xfrm>
-            <a:off x="1371600" y="2331720"/>
-            <a:ext cx="7132320" cy="457200"/>
-          </a:xfrm>
-          <a:prstGeom prst="rect">
-            <a:avLst/>
-          </a:prstGeom>
-          <a:noFill/>
-          <a:ln/>
-        </p:spPr>
-        <p:txBody>
-          <a:bodyPr wrap="square" rtlCol="0" anchor="ctr"/>
-          <a:lstStyle/>
-          <a:p>
-            <a:pPr indent="0" marL="0">
-              <a:buNone/>
-            </a:pPr>
-            <a:r>
-              <a:rPr lang="en-US" sz="1600" dirty="0">
-                <a:solidFill>
-                  <a:srgbClr val="FFFFFF"/>
-                </a:solidFill>
-                <a:latin typeface="Arial" pitchFamily="34" charset="0"/>
-                <a:ea typeface="Arial" pitchFamily="34" charset="-122"/>
-                <a:cs typeface="Arial" pitchFamily="34" charset="-120"/>
-              </a:rPr>
-              <a:t>Realizar auditoria pessoal de tempo</a:t>
-            </a:r>
-            <a:endParaRPr lang="en-US" sz="1600" dirty="0"/>
-          </a:p>
-        </p:txBody>
-      </p:sp>
-      <p:sp>
-        <p:nvSpPr>
-          <p:cNvPr id="12" name="Shape 10"/>
-          <p:cNvSpPr/>
-          <p:nvPr/>
-        </p:nvSpPr>
-        <p:spPr>
-          <a:xfrm>
-            <a:off x="457200" y="3108960"/>
-            <a:ext cx="8229600" cy="822960"/>
-          </a:xfrm>
-          <a:prstGeom prst="roundRect">
-            <a:avLst/>
-          </a:prstGeom>
-          <a:solidFill>
-            <a:srgbClr val="2A2A4A"/>
-          </a:solidFill>
-          <a:ln w="25400">
-            <a:solidFill>
-              <a:srgbClr val="3B82F6"/>
-            </a:solidFill>
-            <a:prstDash val="solid"/>
-          </a:ln>
-        </p:spPr>
-      </p:sp>
-      <p:sp>
-        <p:nvSpPr>
-          <p:cNvPr id="13" name="Shape 11"/>
-          <p:cNvSpPr/>
-          <p:nvPr/>
-        </p:nvSpPr>
-        <p:spPr>
-          <a:xfrm>
-            <a:off x="640080" y="3246120"/>
-            <a:ext cx="548640" cy="548640"/>
-          </a:xfrm>
-          <a:prstGeom prst="ellipse">
-            <a:avLst/>
-          </a:prstGeom>
-          <a:solidFill>
-            <a:srgbClr val="3B82F6"/>
-          </a:solidFill>
-          <a:ln/>
-        </p:spPr>
-      </p:sp>
-      <p:sp>
-        <p:nvSpPr>
-          <p:cNvPr id="14" name="Text 12"/>
-          <p:cNvSpPr/>
-          <p:nvPr/>
-        </p:nvSpPr>
-        <p:spPr>
-          <a:xfrm>
-            <a:off x="640080" y="3337560"/>
-            <a:ext cx="548640" cy="365760"/>
-          </a:xfrm>
-          <a:prstGeom prst="rect">
-            <a:avLst/>
-          </a:prstGeom>
-          <a:noFill/>
-          <a:ln/>
-        </p:spPr>
-        <p:txBody>
-          <a:bodyPr wrap="square" rtlCol="0" anchor="ctr"/>
-          <a:lstStyle/>
-          <a:p>
-            <a:pPr algn="ctr" indent="0" marL="0">
-              <a:buNone/>
-            </a:pPr>
-            <a:r>
-              <a:rPr lang="en-US" sz="1800" b="1" dirty="0">
-                <a:solidFill>
-                  <a:srgbClr val="FFFFFF"/>
-                </a:solidFill>
-                <a:latin typeface="Arial" pitchFamily="34" charset="0"/>
-                <a:ea typeface="Arial" pitchFamily="34" charset="-122"/>
-                <a:cs typeface="Arial" pitchFamily="34" charset="-120"/>
-              </a:rPr>
-              <a:t>3</a:t>
-            </a:r>
-            <a:endParaRPr lang="en-US" sz="1800" dirty="0"/>
-          </a:p>
-        </p:txBody>
-      </p:sp>
-      <p:sp>
-        <p:nvSpPr>
-          <p:cNvPr id="15" name="Text 13"/>
-          <p:cNvSpPr/>
-          <p:nvPr/>
-        </p:nvSpPr>
-        <p:spPr>
-          <a:xfrm>
-            <a:off x="1371600" y="3337560"/>
-            <a:ext cx="7132320" cy="457200"/>
-          </a:xfrm>
-          <a:prstGeom prst="rect">
-            <a:avLst/>
-          </a:prstGeom>
-          <a:noFill/>
-          <a:ln/>
-        </p:spPr>
-        <p:txBody>
-          <a:bodyPr wrap="square" rtlCol="0" anchor="ctr"/>
-          <a:lstStyle/>
-          <a:p>
-            <a:pPr indent="0" marL="0">
-              <a:buNone/>
-            </a:pPr>
-            <a:r>
-              <a:rPr lang="en-US" sz="1600" dirty="0">
-                <a:solidFill>
-                  <a:srgbClr val="FFFFFF"/>
-                </a:solidFill>
-                <a:latin typeface="Arial" pitchFamily="34" charset="0"/>
-                <a:ea typeface="Arial" pitchFamily="34" charset="-122"/>
-                <a:cs typeface="Arial" pitchFamily="34" charset="-120"/>
-              </a:rPr>
-              <a:t>Aplicar estratégias de eliminação</a:t>
-            </a:r>
-            <a:endParaRPr lang="en-US" sz="1600" dirty="0"/>
-          </a:p>
-        </p:txBody>
-      </p:sp>
-      <p:sp>
-        <p:nvSpPr>
-          <p:cNvPr id="16" name="Shape 14"/>
-          <p:cNvSpPr/>
-          <p:nvPr/>
-        </p:nvSpPr>
-        <p:spPr>
-          <a:xfrm>
             <a:off x="8869680" y="1097280"/>
             <a:ext cx="91440" cy="3017520"/>
           </a:xfrm>
@@ -2521,7 +2179,7 @@
       </p:sp>
       <p:pic>
         <p:nvPicPr>
-          <p:cNvPr id="17" name="Image 0" descr="preencoded.png">    </p:cNvPr>
+          <p:cNvPr id="6" name="Image 0" descr="preencoded.png">    </p:cNvPr>
           <p:cNvPicPr>
             <a:picLocks noChangeAspect="1"/>
           </p:cNvPicPr>
@@ -2604,7 +2262,7 @@
         <p:spPr>
           <a:xfrm>
             <a:off x="0" y="777240"/>
-            <a:ext cx="2286000" cy="45720"/>
+            <a:ext cx="3048000" cy="45720"/>
           </a:xfrm>
           <a:prstGeom prst="rect">
             <a:avLst/>
@@ -2707,7 +2365,7 @@
                 <a:ea typeface="Arial" pitchFamily="34" charset="-122"/>
                 <a:cs typeface="Arial" pitchFamily="34" charset="-120"/>
               </a:rPr>
-              <a:t>Os 10 Maiores Ladrões</a:t>
+              <a:t>Auditoria pessoal</a:t>
             </a:r>
             <a:endParaRPr lang="en-US" sz="2000" dirty="0"/>
           </a:p>
@@ -2722,7 +2380,7 @@
         <p:spPr>
           <a:xfrm>
             <a:off x="457200" y="1097280"/>
-            <a:ext cx="3931920" cy="777240"/>
+            <a:ext cx="8229600" cy="777240"/>
           </a:xfrm>
           <a:prstGeom prst="roundRect">
             <a:avLst/>
@@ -2806,7 +2464,7 @@
         <p:spPr>
           <a:xfrm>
             <a:off x="960120" y="1325880"/>
-            <a:ext cx="3200400" cy="411480"/>
+            <a:ext cx="7498080" cy="411480"/>
           </a:xfrm>
           <a:prstGeom prst="rect">
             <a:avLst/>
@@ -2830,7 +2488,7 @@
                 <a:ea typeface="Arial" pitchFamily="34" charset="-122"/>
                 <a:cs typeface="Arial" pitchFamily="34" charset="-120"/>
               </a:rPr>
-              <a:t>Redes sociais sem propósito</a:t>
+              <a:t>Técnica de rastreamento de tempo</a:t>
             </a:r>
             <a:endParaRPr lang="en-US" sz="1400" dirty="0"/>
           </a:p>
@@ -2844,8 +2502,8 @@
         </p:nvSpPr>
         <p:spPr>
           <a:xfrm>
-            <a:off x="4572000" y="1097280"/>
-            <a:ext cx="3931920" cy="777240"/>
+            <a:off x="457200" y="2011680"/>
+            <a:ext cx="8229600" cy="777240"/>
           </a:xfrm>
           <a:prstGeom prst="roundRect">
             <a:avLst/>
@@ -2869,7 +2527,7 @@
         </p:nvSpPr>
         <p:spPr>
           <a:xfrm>
-            <a:off x="4572000" y="1097280"/>
+            <a:off x="457200" y="2011680"/>
             <a:ext cx="109728" cy="777240"/>
           </a:xfrm>
           <a:prstGeom prst="rect">
@@ -2889,7 +2547,7 @@
         </p:nvSpPr>
         <p:spPr>
           <a:xfrm>
-            <a:off x="4800600" y="1325880"/>
+            <a:off x="685800" y="2240280"/>
             <a:ext cx="274320" cy="320040"/>
           </a:xfrm>
           <a:prstGeom prst="rect">
@@ -2928,8 +2586,8 @@
         </p:nvSpPr>
         <p:spPr>
           <a:xfrm>
-            <a:off x="5074920" y="1325880"/>
-            <a:ext cx="3200400" cy="411480"/>
+            <a:off x="960120" y="2240280"/>
+            <a:ext cx="7498080" cy="411480"/>
           </a:xfrm>
           <a:prstGeom prst="rect">
             <a:avLst/>
@@ -2953,7 +2611,7 @@
                 <a:ea typeface="Arial" pitchFamily="34" charset="-122"/>
                 <a:cs typeface="Arial" pitchFamily="34" charset="-120"/>
               </a:rPr>
-              <a:t>E-mail como tarefa contínua</a:t>
+              <a:t>Identificando seus padrões</a:t>
             </a:r>
             <a:endParaRPr lang="en-US" sz="1400" dirty="0"/>
           </a:p>
@@ -2967,8 +2625,8 @@
         </p:nvSpPr>
         <p:spPr>
           <a:xfrm>
-            <a:off x="457200" y="2011680"/>
-            <a:ext cx="3931920" cy="777240"/>
+            <a:off x="457200" y="2926080"/>
+            <a:ext cx="8229600" cy="777240"/>
           </a:xfrm>
           <a:prstGeom prst="roundRect">
             <a:avLst/>
@@ -2992,7 +2650,7 @@
         </p:nvSpPr>
         <p:spPr>
           <a:xfrm>
-            <a:off x="457200" y="2011680"/>
+            <a:off x="457200" y="2926080"/>
             <a:ext cx="109728" cy="777240"/>
           </a:xfrm>
           <a:prstGeom prst="rect">
@@ -3012,7 +2670,7 @@
         </p:nvSpPr>
         <p:spPr>
           <a:xfrm>
-            <a:off x="685800" y="2240280"/>
+            <a:off x="685800" y="3154680"/>
             <a:ext cx="274320" cy="320040"/>
           </a:xfrm>
           <a:prstGeom prst="rect">
@@ -3051,8 +2709,8 @@
         </p:nvSpPr>
         <p:spPr>
           <a:xfrm>
-            <a:off x="960120" y="2240280"/>
-            <a:ext cx="3200400" cy="411480"/>
+            <a:off x="960120" y="3154680"/>
+            <a:ext cx="7498080" cy="411480"/>
           </a:xfrm>
           <a:prstGeom prst="rect">
             <a:avLst/>
@@ -3076,7 +2734,7 @@
                 <a:ea typeface="Arial" pitchFamily="34" charset="-122"/>
                 <a:cs typeface="Arial" pitchFamily="34" charset="-120"/>
               </a:rPr>
-              <a:t>Perfeccionismo paralisante</a:t>
+              <a:t>O choque de realidade</a:t>
             </a:r>
             <a:endParaRPr lang="en-US" sz="1400" dirty="0"/>
           </a:p>
@@ -3085,129 +2743,6 @@
       <p:sp>
         <p:nvSpPr>
           <p:cNvPr id="19" name="Shape 17"/>
-          <p:cNvSpPr/>
-          <p:nvPr/>
-        </p:nvSpPr>
-        <p:spPr>
-          <a:xfrm>
-            <a:off x="4572000" y="2011680"/>
-            <a:ext cx="3931920" cy="777240"/>
-          </a:xfrm>
-          <a:prstGeom prst="roundRect">
-            <a:avLst/>
-          </a:prstGeom>
-          <a:solidFill>
-            <a:srgbClr val="2A2A4A"/>
-          </a:solidFill>
-          <a:ln w="19050">
-            <a:solidFill>
-              <a:srgbClr val="667EEA"/>
-            </a:solidFill>
-            <a:prstDash val="solid"/>
-          </a:ln>
-        </p:spPr>
-      </p:sp>
-      <p:sp>
-        <p:nvSpPr>
-          <p:cNvPr id="20" name="Shape 18"/>
-          <p:cNvSpPr/>
-          <p:nvPr/>
-        </p:nvSpPr>
-        <p:spPr>
-          <a:xfrm>
-            <a:off x="4572000" y="2011680"/>
-            <a:ext cx="109728" cy="777240"/>
-          </a:xfrm>
-          <a:prstGeom prst="rect">
-            <a:avLst/>
-          </a:prstGeom>
-          <a:solidFill>
-            <a:srgbClr val="667EEA"/>
-          </a:solidFill>
-          <a:ln/>
-        </p:spPr>
-      </p:sp>
-      <p:sp>
-        <p:nvSpPr>
-          <p:cNvPr id="21" name="Text 19"/>
-          <p:cNvSpPr/>
-          <p:nvPr/>
-        </p:nvSpPr>
-        <p:spPr>
-          <a:xfrm>
-            <a:off x="4800600" y="2240280"/>
-            <a:ext cx="274320" cy="320040"/>
-          </a:xfrm>
-          <a:prstGeom prst="rect">
-            <a:avLst/>
-          </a:prstGeom>
-          <a:noFill/>
-          <a:ln/>
-        </p:spPr>
-        <p:txBody>
-          <a:bodyPr wrap="square" rtlCol="0" anchor="ctr"/>
-          <a:lstStyle/>
-          <a:p>
-            <a:pPr indent="0" marL="0">
-              <a:buNone/>
-            </a:pPr>
-            <a:r>
-              <a:rPr lang="en-US" sz="1600" b="1" dirty="0">
-                <a:solidFill>
-                  <a:srgbClr val="667EEA"/>
-                </a:solidFill>
-                <a:latin typeface="Arial" pitchFamily="34" charset="0"/>
-                <a:ea typeface="Arial" pitchFamily="34" charset="-122"/>
-                <a:cs typeface="Arial" pitchFamily="34" charset="-120"/>
-              </a:rPr>
-              <a:t>▸</a:t>
-            </a:r>
-            <a:endParaRPr lang="en-US" sz="1600" dirty="0"/>
-          </a:p>
-        </p:txBody>
-      </p:sp>
-      <p:sp>
-        <p:nvSpPr>
-          <p:cNvPr id="22" name="Text 20"/>
-          <p:cNvSpPr/>
-          <p:nvPr/>
-        </p:nvSpPr>
-        <p:spPr>
-          <a:xfrm>
-            <a:off x="5074920" y="2240280"/>
-            <a:ext cx="3200400" cy="411480"/>
-          </a:xfrm>
-          <a:prstGeom prst="rect">
-            <a:avLst/>
-          </a:prstGeom>
-          <a:noFill/>
-          <a:ln/>
-        </p:spPr>
-        <p:txBody>
-          <a:bodyPr wrap="square" rtlCol="0" anchor="ctr"/>
-          <a:lstStyle/>
-          <a:p>
-            <a:pPr indent="0" marL="0">
-              <a:buNone/>
-            </a:pPr>
-            <a:r>
-              <a:rPr lang="en-US" sz="1400" dirty="0">
-                <a:solidFill>
-                  <a:srgbClr val="FFFFFF"/>
-                </a:solidFill>
-                <a:latin typeface="Arial" pitchFamily="34" charset="0"/>
-                <a:ea typeface="Arial" pitchFamily="34" charset="-122"/>
-                <a:cs typeface="Arial" pitchFamily="34" charset="-120"/>
-              </a:rPr>
-              <a:t>Multitarefa ineficiente</a:t>
-            </a:r>
-            <a:endParaRPr lang="en-US" sz="1400" dirty="0"/>
-          </a:p>
-        </p:txBody>
-      </p:sp>
-      <p:sp>
-        <p:nvSpPr>
-          <p:cNvPr id="23" name="Shape 21"/>
           <p:cNvSpPr/>
           <p:nvPr/>
         </p:nvSpPr>
@@ -3222,42 +2757,12 @@
           <a:solidFill>
             <a:srgbClr val="667EEA"/>
           </a:solidFill>
-          <a:ln w="12700">
-            <a:solidFill>
-              <a:srgbClr val="000000"/>
-            </a:solidFill>
-            <a:prstDash val="solid"/>
-          </a:ln>
-        </p:spPr>
-      </p:sp>
-      <p:sp>
-        <p:nvSpPr>
-          <p:cNvPr id="24" name="Shape 22"/>
-          <p:cNvSpPr/>
-          <p:nvPr/>
-        </p:nvSpPr>
-        <p:spPr>
-          <a:xfrm>
-            <a:off x="8503920" y="4297680"/>
-            <a:ext cx="274320" cy="274320"/>
-          </a:xfrm>
-          <a:prstGeom prst="rect">
-            <a:avLst/>
-          </a:prstGeom>
-          <a:solidFill>
-            <a:srgbClr val="2A2A4A"/>
-          </a:solidFill>
-          <a:ln w="12700">
-            <a:solidFill>
-              <a:srgbClr val="667EEA"/>
-            </a:solidFill>
-            <a:prstDash val="solid"/>
-          </a:ln>
+          <a:ln/>
         </p:spPr>
       </p:sp>
       <p:pic>
         <p:nvPicPr>
-          <p:cNvPr id="25" name="Image 0" descr="preencoded.png">    </p:cNvPr>
+          <p:cNvPr id="21" name="Image 0" descr="preencoded.png">    </p:cNvPr>
           <p:cNvPicPr>
             <a:picLocks noChangeAspect="1"/>
           </p:cNvPicPr>
@@ -3340,7 +2845,7 @@
         <p:spPr>
           <a:xfrm>
             <a:off x="0" y="777240"/>
-            <a:ext cx="4572000" cy="45720"/>
+            <a:ext cx="6096000" cy="45720"/>
           </a:xfrm>
           <a:prstGeom prst="rect">
             <a:avLst/>
@@ -3443,7 +2948,7 @@
                 <a:ea typeface="Arial" pitchFamily="34" charset="-122"/>
                 <a:cs typeface="Arial" pitchFamily="34" charset="-120"/>
               </a:rPr>
-              <a:t>Auditoria de Tempo</a:t>
+              <a:t>Estratégias de eliminação</a:t>
             </a:r>
             <a:endParaRPr lang="en-US" sz="2000" dirty="0"/>
           </a:p>
@@ -3458,7 +2963,7 @@
         <p:spPr>
           <a:xfrm>
             <a:off x="457200" y="1097280"/>
-            <a:ext cx="8229600" cy="777240"/>
+            <a:ext cx="3931920" cy="777240"/>
           </a:xfrm>
           <a:prstGeom prst="roundRect">
             <a:avLst/>
@@ -3542,7 +3047,7 @@
         <p:spPr>
           <a:xfrm>
             <a:off x="960120" y="1325880"/>
-            <a:ext cx="7498080" cy="411480"/>
+            <a:ext cx="3200400" cy="411480"/>
           </a:xfrm>
           <a:prstGeom prst="rect">
             <a:avLst/>
@@ -3566,7 +3071,7 @@
                 <a:ea typeface="Arial" pitchFamily="34" charset="-122"/>
                 <a:cs typeface="Arial" pitchFamily="34" charset="-120"/>
               </a:rPr>
-              <a:t>Rastrear a cada 30 minutos</a:t>
+              <a:t>Batch processing (agrupar tarefas)</a:t>
             </a:r>
             <a:endParaRPr lang="en-US" sz="1400" dirty="0"/>
           </a:p>
@@ -3580,8 +3085,8 @@
         </p:nvSpPr>
         <p:spPr>
           <a:xfrm>
-            <a:off x="457200" y="2011680"/>
-            <a:ext cx="8229600" cy="777240"/>
+            <a:off x="4572000" y="1097280"/>
+            <a:ext cx="3931920" cy="777240"/>
           </a:xfrm>
           <a:prstGeom prst="roundRect">
             <a:avLst/>
@@ -3605,7 +3110,7 @@
         </p:nvSpPr>
         <p:spPr>
           <a:xfrm>
-            <a:off x="457200" y="2011680"/>
+            <a:off x="4572000" y="1097280"/>
             <a:ext cx="109728" cy="777240"/>
           </a:xfrm>
           <a:prstGeom prst="rect">
@@ -3625,7 +3130,7 @@
         </p:nvSpPr>
         <p:spPr>
           <a:xfrm>
-            <a:off x="685800" y="2240280"/>
+            <a:off x="4800600" y="1325880"/>
             <a:ext cx="274320" cy="320040"/>
           </a:xfrm>
           <a:prstGeom prst="rect">
@@ -3664,8 +3169,8 @@
         </p:nvSpPr>
         <p:spPr>
           <a:xfrm>
-            <a:off x="960120" y="2240280"/>
-            <a:ext cx="7498080" cy="411480"/>
+            <a:off x="5074920" y="1325880"/>
+            <a:ext cx="3200400" cy="411480"/>
           </a:xfrm>
           <a:prstGeom prst="rect">
             <a:avLst/>
@@ -3689,7 +3194,7 @@
                 <a:ea typeface="Arial" pitchFamily="34" charset="-122"/>
                 <a:cs typeface="Arial" pitchFamily="34" charset="-120"/>
               </a:rPr>
-              <a:t>Ser brutalmente honesto</a:t>
+              <a:t>Time boxing (caixas de tempo)</a:t>
             </a:r>
             <a:endParaRPr lang="en-US" sz="1400" dirty="0"/>
           </a:p>
@@ -3703,8 +3208,8 @@
         </p:nvSpPr>
         <p:spPr>
           <a:xfrm>
-            <a:off x="457200" y="2926080"/>
-            <a:ext cx="8229600" cy="777240"/>
+            <a:off x="457200" y="2011680"/>
+            <a:ext cx="3931920" cy="777240"/>
           </a:xfrm>
           <a:prstGeom prst="roundRect">
             <a:avLst/>
@@ -3728,7 +3233,7 @@
         </p:nvSpPr>
         <p:spPr>
           <a:xfrm>
-            <a:off x="457200" y="2926080"/>
+            <a:off x="457200" y="2011680"/>
             <a:ext cx="109728" cy="777240"/>
           </a:xfrm>
           <a:prstGeom prst="rect">
@@ -3748,7 +3253,7 @@
         </p:nvSpPr>
         <p:spPr>
           <a:xfrm>
-            <a:off x="685800" y="3154680"/>
+            <a:off x="685800" y="2240280"/>
             <a:ext cx="274320" cy="320040"/>
           </a:xfrm>
           <a:prstGeom prst="rect">
@@ -3787,8 +3292,8 @@
         </p:nvSpPr>
         <p:spPr>
           <a:xfrm>
-            <a:off x="960120" y="3154680"/>
-            <a:ext cx="7498080" cy="411480"/>
+            <a:off x="960120" y="2240280"/>
+            <a:ext cx="3200400" cy="411480"/>
           </a:xfrm>
           <a:prstGeom prst="rect">
             <a:avLst/>
@@ -3812,7 +3317,7 @@
                 <a:ea typeface="Arial" pitchFamily="34" charset="-122"/>
                 <a:cs typeface="Arial" pitchFamily="34" charset="-120"/>
               </a:rPr>
-              <a:t>Categorizar: produtivo/neutro/perdido</a:t>
+              <a:t>Regra dos 2 minutos</a:t>
             </a:r>
             <a:endParaRPr lang="en-US" sz="1400" dirty="0"/>
           </a:p>
@@ -3826,41 +3331,16 @@
         </p:nvSpPr>
         <p:spPr>
           <a:xfrm>
-            <a:off x="8686800" y="4114800"/>
-            <a:ext cx="457200" cy="457200"/>
-          </a:xfrm>
-          <a:prstGeom prst="rect">
-            <a:avLst/>
-          </a:prstGeom>
-          <a:solidFill>
-            <a:srgbClr val="22C55E"/>
-          </a:solidFill>
-          <a:ln w="12700">
-            <a:solidFill>
-              <a:srgbClr val="000000"/>
-            </a:solidFill>
-            <a:prstDash val="solid"/>
-          </a:ln>
-        </p:spPr>
-      </p:sp>
-      <p:sp>
-        <p:nvSpPr>
-          <p:cNvPr id="20" name="Shape 18"/>
-          <p:cNvSpPr/>
-          <p:nvPr/>
-        </p:nvSpPr>
-        <p:spPr>
-          <a:xfrm>
-            <a:off x="8503920" y="4297680"/>
-            <a:ext cx="274320" cy="274320"/>
-          </a:xfrm>
-          <a:prstGeom prst="rect">
+            <a:off x="4572000" y="2011680"/>
+            <a:ext cx="3931920" cy="777240"/>
+          </a:xfrm>
+          <a:prstGeom prst="roundRect">
             <a:avLst/>
           </a:prstGeom>
           <a:solidFill>
             <a:srgbClr val="2A2A4A"/>
           </a:solidFill>
-          <a:ln w="12700">
+          <a:ln w="19050">
             <a:solidFill>
               <a:srgbClr val="22C55E"/>
             </a:solidFill>
@@ -3868,9 +3348,127 @@
           </a:ln>
         </p:spPr>
       </p:sp>
+      <p:sp>
+        <p:nvSpPr>
+          <p:cNvPr id="20" name="Shape 18"/>
+          <p:cNvSpPr/>
+          <p:nvPr/>
+        </p:nvSpPr>
+        <p:spPr>
+          <a:xfrm>
+            <a:off x="4572000" y="2011680"/>
+            <a:ext cx="109728" cy="777240"/>
+          </a:xfrm>
+          <a:prstGeom prst="rect">
+            <a:avLst/>
+          </a:prstGeom>
+          <a:solidFill>
+            <a:srgbClr val="22C55E"/>
+          </a:solidFill>
+          <a:ln/>
+        </p:spPr>
+      </p:sp>
+      <p:sp>
+        <p:nvSpPr>
+          <p:cNvPr id="21" name="Text 19"/>
+          <p:cNvSpPr/>
+          <p:nvPr/>
+        </p:nvSpPr>
+        <p:spPr>
+          <a:xfrm>
+            <a:off x="4800600" y="2240280"/>
+            <a:ext cx="274320" cy="320040"/>
+          </a:xfrm>
+          <a:prstGeom prst="rect">
+            <a:avLst/>
+          </a:prstGeom>
+          <a:noFill/>
+          <a:ln/>
+        </p:spPr>
+        <p:txBody>
+          <a:bodyPr wrap="square" rtlCol="0" anchor="ctr"/>
+          <a:lstStyle/>
+          <a:p>
+            <a:pPr indent="0" marL="0">
+              <a:buNone/>
+            </a:pPr>
+            <a:r>
+              <a:rPr lang="en-US" sz="1600" b="1" dirty="0">
+                <a:solidFill>
+                  <a:srgbClr val="22C55E"/>
+                </a:solidFill>
+                <a:latin typeface="Arial" pitchFamily="34" charset="0"/>
+                <a:ea typeface="Arial" pitchFamily="34" charset="-122"/>
+                <a:cs typeface="Arial" pitchFamily="34" charset="-120"/>
+              </a:rPr>
+              <a:t>▸</a:t>
+            </a:r>
+            <a:endParaRPr lang="en-US" sz="1600" dirty="0"/>
+          </a:p>
+        </p:txBody>
+      </p:sp>
+      <p:sp>
+        <p:nvSpPr>
+          <p:cNvPr id="22" name="Text 20"/>
+          <p:cNvSpPr/>
+          <p:nvPr/>
+        </p:nvSpPr>
+        <p:spPr>
+          <a:xfrm>
+            <a:off x="5074920" y="2240280"/>
+            <a:ext cx="3200400" cy="411480"/>
+          </a:xfrm>
+          <a:prstGeom prst="rect">
+            <a:avLst/>
+          </a:prstGeom>
+          <a:noFill/>
+          <a:ln/>
+        </p:spPr>
+        <p:txBody>
+          <a:bodyPr wrap="square" rtlCol="0" anchor="ctr"/>
+          <a:lstStyle/>
+          <a:p>
+            <a:pPr indent="0" marL="0">
+              <a:buNone/>
+            </a:pPr>
+            <a:r>
+              <a:rPr lang="en-US" sz="1400" dirty="0">
+                <a:solidFill>
+                  <a:srgbClr val="FFFFFF"/>
+                </a:solidFill>
+                <a:latin typeface="Arial" pitchFamily="34" charset="0"/>
+                <a:ea typeface="Arial" pitchFamily="34" charset="-122"/>
+                <a:cs typeface="Arial" pitchFamily="34" charset="-120"/>
+              </a:rPr>
+              <a:t>Eliminação vs. delegação</a:t>
+            </a:r>
+            <a:endParaRPr lang="en-US" sz="1400" dirty="0"/>
+          </a:p>
+        </p:txBody>
+      </p:sp>
+      <p:sp>
+        <p:nvSpPr>
+          <p:cNvPr id="23" name="Shape 21"/>
+          <p:cNvSpPr/>
+          <p:nvPr/>
+        </p:nvSpPr>
+        <p:spPr>
+          <a:xfrm>
+            <a:off x="8686800" y="4114800"/>
+            <a:ext cx="457200" cy="457200"/>
+          </a:xfrm>
+          <a:prstGeom prst="rect">
+            <a:avLst/>
+          </a:prstGeom>
+          <a:solidFill>
+            <a:srgbClr val="22C55E"/>
+          </a:solidFill>
+          <a:ln/>
+        </p:spPr>
+      </p:sp>
       <p:pic>
         <p:nvPicPr>
-          <p:cNvPr id="21" name="Image 0" descr="preencoded.png">    </p:cNvPr>
+          <p:cNvPr id="25" name="Image 0" descr="preencoded.png">    </p:cNvPr>
           <p:cNvPicPr>
             <a:picLocks noChangeAspect="1"/>
           </p:cNvPicPr>
@@ -3953,7 +3551,7 @@
         <p:spPr>
           <a:xfrm>
             <a:off x="0" y="777240"/>
-            <a:ext cx="6858000" cy="45720"/>
+            <a:ext cx="9144000" cy="45720"/>
           </a:xfrm>
           <a:prstGeom prst="rect">
             <a:avLst/>
@@ -4056,7 +3654,7 @@
                 <a:ea typeface="Arial" pitchFamily="34" charset="-122"/>
                 <a:cs typeface="Arial" pitchFamily="34" charset="-120"/>
               </a:rPr>
-              <a:t>Estratégias de Eliminação</a:t>
+              <a:t>Protegendo o tempo recuperado</a:t>
             </a:r>
             <a:endParaRPr lang="en-US" sz="2000" dirty="0"/>
           </a:p>
@@ -4071,7 +3669,7 @@
         <p:spPr>
           <a:xfrm>
             <a:off x="457200" y="1097280"/>
-            <a:ext cx="3931920" cy="777240"/>
+            <a:ext cx="8229600" cy="777240"/>
           </a:xfrm>
           <a:prstGeom prst="roundRect">
             <a:avLst/>
@@ -4155,7 +3753,7 @@
         <p:spPr>
           <a:xfrm>
             <a:off x="960120" y="1325880"/>
-            <a:ext cx="3200400" cy="411480"/>
+            <a:ext cx="7498080" cy="411480"/>
           </a:xfrm>
           <a:prstGeom prst="rect">
             <a:avLst/>
@@ -4179,7 +3777,7 @@
                 <a:ea typeface="Arial" pitchFamily="34" charset="-122"/>
                 <a:cs typeface="Arial" pitchFamily="34" charset="-120"/>
               </a:rPr>
-              <a:t>Batch processing (agrupar)</a:t>
+              <a:t>Bloqueando tempo para foco</a:t>
             </a:r>
             <a:endParaRPr lang="en-US" sz="1400" dirty="0"/>
           </a:p>
@@ -4193,8 +3791,8 @@
         </p:nvSpPr>
         <p:spPr>
           <a:xfrm>
-            <a:off x="4572000" y="1097280"/>
-            <a:ext cx="3931920" cy="777240"/>
+            <a:off x="457200" y="2011680"/>
+            <a:ext cx="8229600" cy="777240"/>
           </a:xfrm>
           <a:prstGeom prst="roundRect">
             <a:avLst/>
@@ -4218,7 +3816,7 @@
         </p:nvSpPr>
         <p:spPr>
           <a:xfrm>
-            <a:off x="4572000" y="1097280"/>
+            <a:off x="457200" y="2011680"/>
             <a:ext cx="109728" cy="777240"/>
           </a:xfrm>
           <a:prstGeom prst="rect">
@@ -4238,7 +3836,7 @@
         </p:nvSpPr>
         <p:spPr>
           <a:xfrm>
-            <a:off x="4800600" y="1325880"/>
+            <a:off x="685800" y="2240280"/>
             <a:ext cx="274320" cy="320040"/>
           </a:xfrm>
           <a:prstGeom prst="rect">
@@ -4277,8 +3875,8 @@
         </p:nvSpPr>
         <p:spPr>
           <a:xfrm>
-            <a:off x="5074920" y="1325880"/>
-            <a:ext cx="3200400" cy="411480"/>
+            <a:off x="960120" y="2240280"/>
+            <a:ext cx="7498080" cy="411480"/>
           </a:xfrm>
           <a:prstGeom prst="rect">
             <a:avLst/>
@@ -4302,7 +3900,7 @@
                 <a:ea typeface="Arial" pitchFamily="34" charset="-122"/>
                 <a:cs typeface="Arial" pitchFamily="34" charset="-120"/>
               </a:rPr>
-              <a:t>Time boxing (limite de tempo)</a:t>
+              <a:t>Não preencher automaticamente</a:t>
             </a:r>
             <a:endParaRPr lang="en-US" sz="1400" dirty="0"/>
           </a:p>
@@ -4316,8 +3914,8 @@
         </p:nvSpPr>
         <p:spPr>
           <a:xfrm>
-            <a:off x="457200" y="2011680"/>
-            <a:ext cx="3931920" cy="777240"/>
+            <a:off x="457200" y="2926080"/>
+            <a:ext cx="8229600" cy="777240"/>
           </a:xfrm>
           <a:prstGeom prst="roundRect">
             <a:avLst/>
@@ -4341,7 +3939,7 @@
         </p:nvSpPr>
         <p:spPr>
           <a:xfrm>
-            <a:off x="457200" y="2011680"/>
+            <a:off x="457200" y="2926080"/>
             <a:ext cx="109728" cy="777240"/>
           </a:xfrm>
           <a:prstGeom prst="rect">
@@ -4361,7 +3959,7 @@
         </p:nvSpPr>
         <p:spPr>
           <a:xfrm>
-            <a:off x="685800" y="2240280"/>
+            <a:off x="685800" y="3154680"/>
             <a:ext cx="274320" cy="320040"/>
           </a:xfrm>
           <a:prstGeom prst="rect">
@@ -4400,8 +3998,8 @@
         </p:nvSpPr>
         <p:spPr>
           <a:xfrm>
-            <a:off x="960120" y="2240280"/>
-            <a:ext cx="3200400" cy="411480"/>
+            <a:off x="960120" y="3154680"/>
+            <a:ext cx="7498080" cy="411480"/>
           </a:xfrm>
           <a:prstGeom prst="rect">
             <a:avLst/>
@@ -4425,7 +4023,7 @@
                 <a:ea typeface="Arial" pitchFamily="34" charset="-122"/>
                 <a:cs typeface="Arial" pitchFamily="34" charset="-120"/>
               </a:rPr>
-              <a:t>Regra dos 2 minutos</a:t>
+              <a:t>O valor do tempo livre intencional</a:t>
             </a:r>
             <a:endParaRPr lang="en-US" sz="1400" dirty="0"/>
           </a:p>
@@ -4434,129 +4032,6 @@
       <p:sp>
         <p:nvSpPr>
           <p:cNvPr id="19" name="Shape 17"/>
-          <p:cNvSpPr/>
-          <p:nvPr/>
-        </p:nvSpPr>
-        <p:spPr>
-          <a:xfrm>
-            <a:off x="4572000" y="2011680"/>
-            <a:ext cx="3931920" cy="777240"/>
-          </a:xfrm>
-          <a:prstGeom prst="roundRect">
-            <a:avLst/>
-          </a:prstGeom>
-          <a:solidFill>
-            <a:srgbClr val="2A2A4A"/>
-          </a:solidFill>
-          <a:ln w="19050">
-            <a:solidFill>
-              <a:srgbClr val="3B82F6"/>
-            </a:solidFill>
-            <a:prstDash val="solid"/>
-          </a:ln>
-        </p:spPr>
-      </p:sp>
-      <p:sp>
-        <p:nvSpPr>
-          <p:cNvPr id="20" name="Shape 18"/>
-          <p:cNvSpPr/>
-          <p:nvPr/>
-        </p:nvSpPr>
-        <p:spPr>
-          <a:xfrm>
-            <a:off x="4572000" y="2011680"/>
-            <a:ext cx="109728" cy="777240"/>
-          </a:xfrm>
-          <a:prstGeom prst="rect">
-            <a:avLst/>
-          </a:prstGeom>
-          <a:solidFill>
-            <a:srgbClr val="3B82F6"/>
-          </a:solidFill>
-          <a:ln/>
-        </p:spPr>
-      </p:sp>
-      <p:sp>
-        <p:nvSpPr>
-          <p:cNvPr id="21" name="Text 19"/>
-          <p:cNvSpPr/>
-          <p:nvPr/>
-        </p:nvSpPr>
-        <p:spPr>
-          <a:xfrm>
-            <a:off x="4800600" y="2240280"/>
-            <a:ext cx="274320" cy="320040"/>
-          </a:xfrm>
-          <a:prstGeom prst="rect">
-            <a:avLst/>
-          </a:prstGeom>
-          <a:noFill/>
-          <a:ln/>
-        </p:spPr>
-        <p:txBody>
-          <a:bodyPr wrap="square" rtlCol="0" anchor="ctr"/>
-          <a:lstStyle/>
-          <a:p>
-            <a:pPr indent="0" marL="0">
-              <a:buNone/>
-            </a:pPr>
-            <a:r>
-              <a:rPr lang="en-US" sz="1600" b="1" dirty="0">
-                <a:solidFill>
-                  <a:srgbClr val="3B82F6"/>
-                </a:solidFill>
-                <a:latin typeface="Arial" pitchFamily="34" charset="0"/>
-                <a:ea typeface="Arial" pitchFamily="34" charset="-122"/>
-                <a:cs typeface="Arial" pitchFamily="34" charset="-120"/>
-              </a:rPr>
-              <a:t>▸</a:t>
-            </a:r>
-            <a:endParaRPr lang="en-US" sz="1600" dirty="0"/>
-          </a:p>
-        </p:txBody>
-      </p:sp>
-      <p:sp>
-        <p:nvSpPr>
-          <p:cNvPr id="22" name="Text 20"/>
-          <p:cNvSpPr/>
-          <p:nvPr/>
-        </p:nvSpPr>
-        <p:spPr>
-          <a:xfrm>
-            <a:off x="5074920" y="2240280"/>
-            <a:ext cx="3200400" cy="411480"/>
-          </a:xfrm>
-          <a:prstGeom prst="rect">
-            <a:avLst/>
-          </a:prstGeom>
-          <a:noFill/>
-          <a:ln/>
-        </p:spPr>
-        <p:txBody>
-          <a:bodyPr wrap="square" rtlCol="0" anchor="ctr"/>
-          <a:lstStyle/>
-          <a:p>
-            <a:pPr indent="0" marL="0">
-              <a:buNone/>
-            </a:pPr>
-            <a:r>
-              <a:rPr lang="en-US" sz="1400" dirty="0">
-                <a:solidFill>
-                  <a:srgbClr val="FFFFFF"/>
-                </a:solidFill>
-                <a:latin typeface="Arial" pitchFamily="34" charset="0"/>
-                <a:ea typeface="Arial" pitchFamily="34" charset="-122"/>
-                <a:cs typeface="Arial" pitchFamily="34" charset="-120"/>
-              </a:rPr>
-              <a:t>Eliminar ou delegar</a:t>
-            </a:r>
-            <a:endParaRPr lang="en-US" sz="1400" dirty="0"/>
-          </a:p>
-        </p:txBody>
-      </p:sp>
-      <p:sp>
-        <p:nvSpPr>
-          <p:cNvPr id="23" name="Shape 21"/>
           <p:cNvSpPr/>
           <p:nvPr/>
         </p:nvSpPr>
@@ -4571,42 +4046,12 @@
           <a:solidFill>
             <a:srgbClr val="3B82F6"/>
           </a:solidFill>
-          <a:ln w="12700">
-            <a:solidFill>
-              <a:srgbClr val="000000"/>
-            </a:solidFill>
-            <a:prstDash val="solid"/>
-          </a:ln>
-        </p:spPr>
-      </p:sp>
-      <p:sp>
-        <p:nvSpPr>
-          <p:cNvPr id="24" name="Shape 22"/>
-          <p:cNvSpPr/>
-          <p:nvPr/>
-        </p:nvSpPr>
-        <p:spPr>
-          <a:xfrm>
-            <a:off x="8503920" y="4297680"/>
-            <a:ext cx="274320" cy="274320"/>
-          </a:xfrm>
-          <a:prstGeom prst="rect">
-            <a:avLst/>
-          </a:prstGeom>
-          <a:solidFill>
-            <a:srgbClr val="2A2A4A"/>
-          </a:solidFill>
-          <a:ln w="12700">
-            <a:solidFill>
-              <a:srgbClr val="3B82F6"/>
-            </a:solidFill>
-            <a:prstDash val="solid"/>
-          </a:ln>
+          <a:ln/>
         </p:spPr>
       </p:sp>
       <p:pic>
         <p:nvPicPr>
-          <p:cNvPr id="25" name="Image 0" descr="preencoded.png">    </p:cNvPr>
+          <p:cNvPr id="21" name="Image 0" descr="preencoded.png">    </p:cNvPr>
           <p:cNvPicPr>
             <a:picLocks noChangeAspect="1"/>
           </p:cNvPicPr>
@@ -4682,93 +4127,14 @@
       </p:sp>
       <p:sp>
         <p:nvSpPr>
-          <p:cNvPr id="3" name="Shape 1"/>
-          <p:cNvSpPr/>
-          <p:nvPr/>
-        </p:nvSpPr>
-        <p:spPr>
-          <a:xfrm>
-            <a:off x="0" y="777240"/>
-            <a:ext cx="9144000" cy="45720"/>
-          </a:xfrm>
-          <a:prstGeom prst="rect">
-            <a:avLst/>
-          </a:prstGeom>
-          <a:solidFill>
-            <a:srgbClr val="9333EA"/>
-          </a:solidFill>
-          <a:ln/>
-        </p:spPr>
-      </p:sp>
-      <p:sp>
-        <p:nvSpPr>
-          <p:cNvPr id="4" name="Shape 2"/>
-          <p:cNvSpPr/>
-          <p:nvPr/>
-        </p:nvSpPr>
-        <p:spPr>
-          <a:xfrm>
-            <a:off x="274320" y="137160"/>
-            <a:ext cx="548640" cy="548640"/>
-          </a:xfrm>
-          <a:prstGeom prst="ellipse">
-            <a:avLst/>
-          </a:prstGeom>
-          <a:solidFill>
-            <a:srgbClr val="9333EA"/>
-          </a:solidFill>
-          <a:ln/>
-        </p:spPr>
-      </p:sp>
-      <p:sp>
-        <p:nvSpPr>
-          <p:cNvPr id="5" name="Text 3"/>
-          <p:cNvSpPr/>
-          <p:nvPr/>
-        </p:nvSpPr>
-        <p:spPr>
-          <a:xfrm>
-            <a:off x="274320" y="228600"/>
-            <a:ext cx="548640" cy="365760"/>
-          </a:xfrm>
-          <a:prstGeom prst="rect">
-            <a:avLst/>
-          </a:prstGeom>
-          <a:noFill/>
-          <a:ln/>
-        </p:spPr>
-        <p:txBody>
-          <a:bodyPr wrap="square" rtlCol="0" anchor="ctr"/>
-          <a:lstStyle/>
-          <a:p>
-            <a:pPr algn="ctr" indent="0" marL="0">
-              <a:buNone/>
-            </a:pPr>
-            <a:r>
-              <a:rPr lang="en-US" sz="1600" b="1" dirty="0">
-                <a:solidFill>
-                  <a:srgbClr val="FFFFFF"/>
-                </a:solidFill>
-                <a:latin typeface="Arial" pitchFamily="34" charset="0"/>
-                <a:ea typeface="Arial" pitchFamily="34" charset="-122"/>
-                <a:cs typeface="Arial" pitchFamily="34" charset="-120"/>
-              </a:rPr>
-              <a:t>4</a:t>
-            </a:r>
-            <a:endParaRPr lang="en-US" sz="1600" dirty="0"/>
-          </a:p>
-        </p:txBody>
-      </p:sp>
-      <p:sp>
-        <p:nvSpPr>
-          <p:cNvPr id="6" name="Text 4"/>
-          <p:cNvSpPr/>
-          <p:nvPr/>
-        </p:nvSpPr>
-        <p:spPr>
-          <a:xfrm>
-            <a:off x="1005840" y="228600"/>
-            <a:ext cx="7772400" cy="457200"/>
+          <p:cNvPr id="3" name="Text 1"/>
+          <p:cNvSpPr/>
+          <p:nvPr/>
+        </p:nvSpPr>
+        <p:spPr>
+          <a:xfrm>
+            <a:off x="457200" y="228600"/>
+            <a:ext cx="8229600" cy="457200"/>
           </a:xfrm>
           <a:prstGeom prst="rect">
             <a:avLst/>
@@ -4792,7 +4158,7 @@
                 <a:ea typeface="Arial" pitchFamily="34" charset="-122"/>
                 <a:cs typeface="Arial" pitchFamily="34" charset="-120"/>
               </a:rPr>
-              <a:t>Proteger o Recuperado</a:t>
+              <a:t>✅ Pontos-Chave</a:t>
             </a:r>
             <a:endParaRPr lang="en-US" sz="2000" dirty="0"/>
           </a:p>
@@ -4800,426 +4166,47 @@
       </p:sp>
       <p:sp>
         <p:nvSpPr>
-          <p:cNvPr id="7" name="Shape 5"/>
-          <p:cNvSpPr/>
-          <p:nvPr/>
-        </p:nvSpPr>
-        <p:spPr>
-          <a:xfrm>
-            <a:off x="457200" y="1097280"/>
-            <a:ext cx="8229600" cy="777240"/>
-          </a:xfrm>
-          <a:prstGeom prst="roundRect">
-            <a:avLst/>
-          </a:prstGeom>
-          <a:solidFill>
-            <a:srgbClr val="2A2A4A"/>
-          </a:solidFill>
-          <a:ln w="19050">
-            <a:solidFill>
-              <a:srgbClr val="9333EA"/>
-            </a:solidFill>
-            <a:prstDash val="solid"/>
-          </a:ln>
-        </p:spPr>
-      </p:sp>
-      <p:sp>
-        <p:nvSpPr>
-          <p:cNvPr id="8" name="Shape 6"/>
-          <p:cNvSpPr/>
-          <p:nvPr/>
-        </p:nvSpPr>
-        <p:spPr>
-          <a:xfrm>
-            <a:off x="457200" y="1097280"/>
-            <a:ext cx="109728" cy="777240"/>
-          </a:xfrm>
-          <a:prstGeom prst="rect">
-            <a:avLst/>
-          </a:prstGeom>
-          <a:solidFill>
-            <a:srgbClr val="9333EA"/>
-          </a:solidFill>
-          <a:ln/>
-        </p:spPr>
-      </p:sp>
-      <p:sp>
-        <p:nvSpPr>
-          <p:cNvPr id="9" name="Text 7"/>
-          <p:cNvSpPr/>
-          <p:nvPr/>
-        </p:nvSpPr>
-        <p:spPr>
-          <a:xfrm>
-            <a:off x="685800" y="1325880"/>
-            <a:ext cx="274320" cy="320040"/>
-          </a:xfrm>
-          <a:prstGeom prst="rect">
-            <a:avLst/>
-          </a:prstGeom>
-          <a:noFill/>
-          <a:ln/>
-        </p:spPr>
-        <p:txBody>
-          <a:bodyPr wrap="square" rtlCol="0" anchor="ctr"/>
-          <a:lstStyle/>
-          <a:p>
-            <a:pPr indent="0" marL="0">
-              <a:buNone/>
-            </a:pPr>
-            <a:r>
-              <a:rPr lang="en-US" sz="1600" b="1" dirty="0">
-                <a:solidFill>
-                  <a:srgbClr val="9333EA"/>
-                </a:solidFill>
-                <a:latin typeface="Arial" pitchFamily="34" charset="0"/>
-                <a:ea typeface="Arial" pitchFamily="34" charset="-122"/>
-                <a:cs typeface="Arial" pitchFamily="34" charset="-120"/>
-              </a:rPr>
-              <a:t>▸</a:t>
-            </a:r>
-            <a:endParaRPr lang="en-US" sz="1600" dirty="0"/>
-          </a:p>
-        </p:txBody>
-      </p:sp>
-      <p:sp>
-        <p:nvSpPr>
-          <p:cNvPr id="10" name="Text 8"/>
-          <p:cNvSpPr/>
-          <p:nvPr/>
-        </p:nvSpPr>
-        <p:spPr>
-          <a:xfrm>
-            <a:off x="960120" y="1325880"/>
-            <a:ext cx="7498080" cy="411480"/>
-          </a:xfrm>
-          <a:prstGeom prst="rect">
-            <a:avLst/>
-          </a:prstGeom>
-          <a:noFill/>
-          <a:ln/>
-        </p:spPr>
-        <p:txBody>
-          <a:bodyPr wrap="square" rtlCol="0" anchor="ctr"/>
-          <a:lstStyle/>
-          <a:p>
-            <a:pPr indent="0" marL="0">
-              <a:buNone/>
-            </a:pPr>
-            <a:r>
-              <a:rPr lang="en-US" sz="1400" dirty="0">
-                <a:solidFill>
-                  <a:srgbClr val="FFFFFF"/>
-                </a:solidFill>
-                <a:latin typeface="Arial" pitchFamily="34" charset="0"/>
-                <a:ea typeface="Arial" pitchFamily="34" charset="-122"/>
-                <a:cs typeface="Arial" pitchFamily="34" charset="-120"/>
-              </a:rPr>
-              <a:t>Não preencher automaticamente</a:t>
-            </a:r>
-            <a:endParaRPr lang="en-US" sz="1400" dirty="0"/>
-          </a:p>
-        </p:txBody>
-      </p:sp>
-      <p:sp>
-        <p:nvSpPr>
-          <p:cNvPr id="11" name="Shape 9"/>
-          <p:cNvSpPr/>
-          <p:nvPr/>
-        </p:nvSpPr>
-        <p:spPr>
-          <a:xfrm>
-            <a:off x="457200" y="2011680"/>
-            <a:ext cx="8229600" cy="777240"/>
-          </a:xfrm>
-          <a:prstGeom prst="roundRect">
-            <a:avLst/>
-          </a:prstGeom>
-          <a:solidFill>
-            <a:srgbClr val="2A2A4A"/>
-          </a:solidFill>
-          <a:ln w="19050">
-            <a:solidFill>
-              <a:srgbClr val="9333EA"/>
-            </a:solidFill>
-            <a:prstDash val="solid"/>
-          </a:ln>
-        </p:spPr>
-      </p:sp>
-      <p:sp>
-        <p:nvSpPr>
-          <p:cNvPr id="12" name="Shape 10"/>
-          <p:cNvSpPr/>
-          <p:nvPr/>
-        </p:nvSpPr>
-        <p:spPr>
-          <a:xfrm>
-            <a:off x="457200" y="2011680"/>
-            <a:ext cx="109728" cy="777240"/>
-          </a:xfrm>
-          <a:prstGeom prst="rect">
-            <a:avLst/>
-          </a:prstGeom>
-          <a:solidFill>
-            <a:srgbClr val="9333EA"/>
-          </a:solidFill>
-          <a:ln/>
-        </p:spPr>
-      </p:sp>
-      <p:sp>
-        <p:nvSpPr>
-          <p:cNvPr id="13" name="Text 11"/>
-          <p:cNvSpPr/>
-          <p:nvPr/>
-        </p:nvSpPr>
-        <p:spPr>
-          <a:xfrm>
-            <a:off x="685800" y="2240280"/>
-            <a:ext cx="274320" cy="320040"/>
-          </a:xfrm>
-          <a:prstGeom prst="rect">
-            <a:avLst/>
-          </a:prstGeom>
-          <a:noFill/>
-          <a:ln/>
-        </p:spPr>
-        <p:txBody>
-          <a:bodyPr wrap="square" rtlCol="0" anchor="ctr"/>
-          <a:lstStyle/>
-          <a:p>
-            <a:pPr indent="0" marL="0">
-              <a:buNone/>
-            </a:pPr>
-            <a:r>
-              <a:rPr lang="en-US" sz="1600" b="1" dirty="0">
-                <a:solidFill>
-                  <a:srgbClr val="9333EA"/>
-                </a:solidFill>
-                <a:latin typeface="Arial" pitchFamily="34" charset="0"/>
-                <a:ea typeface="Arial" pitchFamily="34" charset="-122"/>
-                <a:cs typeface="Arial" pitchFamily="34" charset="-120"/>
-              </a:rPr>
-              <a:t>▸</a:t>
-            </a:r>
-            <a:endParaRPr lang="en-US" sz="1600" dirty="0"/>
-          </a:p>
-        </p:txBody>
-      </p:sp>
-      <p:sp>
-        <p:nvSpPr>
-          <p:cNvPr id="14" name="Text 12"/>
-          <p:cNvSpPr/>
-          <p:nvPr/>
-        </p:nvSpPr>
-        <p:spPr>
-          <a:xfrm>
-            <a:off x="960120" y="2240280"/>
-            <a:ext cx="7498080" cy="411480"/>
-          </a:xfrm>
-          <a:prstGeom prst="rect">
-            <a:avLst/>
-          </a:prstGeom>
-          <a:noFill/>
-          <a:ln/>
-        </p:spPr>
-        <p:txBody>
-          <a:bodyPr wrap="square" rtlCol="0" anchor="ctr"/>
-          <a:lstStyle/>
-          <a:p>
-            <a:pPr indent="0" marL="0">
-              <a:buNone/>
-            </a:pPr>
-            <a:r>
-              <a:rPr lang="en-US" sz="1400" dirty="0">
-                <a:solidFill>
-                  <a:srgbClr val="FFFFFF"/>
-                </a:solidFill>
-                <a:latin typeface="Arial" pitchFamily="34" charset="0"/>
-                <a:ea typeface="Arial" pitchFamily="34" charset="-122"/>
-                <a:cs typeface="Arial" pitchFamily="34" charset="-120"/>
-              </a:rPr>
-              <a:t>Bloquear tempo para foco</a:t>
-            </a:r>
-            <a:endParaRPr lang="en-US" sz="1400" dirty="0"/>
-          </a:p>
-        </p:txBody>
-      </p:sp>
-      <p:sp>
-        <p:nvSpPr>
-          <p:cNvPr id="15" name="Shape 13"/>
-          <p:cNvSpPr/>
-          <p:nvPr/>
-        </p:nvSpPr>
-        <p:spPr>
-          <a:xfrm>
-            <a:off x="457200" y="2926080"/>
-            <a:ext cx="8229600" cy="777240"/>
-          </a:xfrm>
-          <a:prstGeom prst="roundRect">
-            <a:avLst/>
-          </a:prstGeom>
-          <a:solidFill>
-            <a:srgbClr val="2A2A4A"/>
-          </a:solidFill>
-          <a:ln w="19050">
-            <a:solidFill>
-              <a:srgbClr val="9333EA"/>
-            </a:solidFill>
-            <a:prstDash val="solid"/>
-          </a:ln>
-        </p:spPr>
-      </p:sp>
-      <p:sp>
-        <p:nvSpPr>
-          <p:cNvPr id="16" name="Shape 14"/>
-          <p:cNvSpPr/>
-          <p:nvPr/>
-        </p:nvSpPr>
-        <p:spPr>
-          <a:xfrm>
-            <a:off x="457200" y="2926080"/>
-            <a:ext cx="109728" cy="777240"/>
-          </a:xfrm>
-          <a:prstGeom prst="rect">
-            <a:avLst/>
-          </a:prstGeom>
-          <a:solidFill>
-            <a:srgbClr val="9333EA"/>
-          </a:solidFill>
-          <a:ln/>
-        </p:spPr>
-      </p:sp>
-      <p:sp>
-        <p:nvSpPr>
-          <p:cNvPr id="17" name="Text 15"/>
-          <p:cNvSpPr/>
-          <p:nvPr/>
-        </p:nvSpPr>
-        <p:spPr>
-          <a:xfrm>
-            <a:off x="685800" y="3154680"/>
-            <a:ext cx="274320" cy="320040"/>
-          </a:xfrm>
-          <a:prstGeom prst="rect">
-            <a:avLst/>
-          </a:prstGeom>
-          <a:noFill/>
-          <a:ln/>
-        </p:spPr>
-        <p:txBody>
-          <a:bodyPr wrap="square" rtlCol="0" anchor="ctr"/>
-          <a:lstStyle/>
-          <a:p>
-            <a:pPr indent="0" marL="0">
-              <a:buNone/>
-            </a:pPr>
-            <a:r>
-              <a:rPr lang="en-US" sz="1600" b="1" dirty="0">
-                <a:solidFill>
-                  <a:srgbClr val="9333EA"/>
-                </a:solidFill>
-                <a:latin typeface="Arial" pitchFamily="34" charset="0"/>
-                <a:ea typeface="Arial" pitchFamily="34" charset="-122"/>
-                <a:cs typeface="Arial" pitchFamily="34" charset="-120"/>
-              </a:rPr>
-              <a:t>▸</a:t>
-            </a:r>
-            <a:endParaRPr lang="en-US" sz="1600" dirty="0"/>
-          </a:p>
-        </p:txBody>
-      </p:sp>
-      <p:sp>
-        <p:nvSpPr>
-          <p:cNvPr id="18" name="Text 16"/>
-          <p:cNvSpPr/>
-          <p:nvPr/>
-        </p:nvSpPr>
-        <p:spPr>
-          <a:xfrm>
-            <a:off x="960120" y="3154680"/>
-            <a:ext cx="7498080" cy="411480"/>
-          </a:xfrm>
-          <a:prstGeom prst="rect">
-            <a:avLst/>
-          </a:prstGeom>
-          <a:noFill/>
-          <a:ln/>
-        </p:spPr>
-        <p:txBody>
-          <a:bodyPr wrap="square" rtlCol="0" anchor="ctr"/>
-          <a:lstStyle/>
-          <a:p>
-            <a:pPr indent="0" marL="0">
-              <a:buNone/>
-            </a:pPr>
-            <a:r>
-              <a:rPr lang="en-US" sz="1400" dirty="0">
-                <a:solidFill>
-                  <a:srgbClr val="FFFFFF"/>
-                </a:solidFill>
-                <a:latin typeface="Arial" pitchFamily="34" charset="0"/>
-                <a:ea typeface="Arial" pitchFamily="34" charset="-122"/>
-                <a:cs typeface="Arial" pitchFamily="34" charset="-120"/>
-              </a:rPr>
-              <a:t>Manter tempo livre intencional</a:t>
-            </a:r>
-            <a:endParaRPr lang="en-US" sz="1400" dirty="0"/>
-          </a:p>
-        </p:txBody>
-      </p:sp>
-      <p:sp>
-        <p:nvSpPr>
-          <p:cNvPr id="19" name="Shape 17"/>
-          <p:cNvSpPr/>
-          <p:nvPr/>
-        </p:nvSpPr>
-        <p:spPr>
-          <a:xfrm>
-            <a:off x="8686800" y="4114800"/>
-            <a:ext cx="457200" cy="457200"/>
-          </a:xfrm>
-          <a:prstGeom prst="rect">
-            <a:avLst/>
-          </a:prstGeom>
-          <a:solidFill>
-            <a:srgbClr val="9333EA"/>
-          </a:solidFill>
-          <a:ln w="12700">
-            <a:solidFill>
-              <a:srgbClr val="000000"/>
-            </a:solidFill>
-            <a:prstDash val="solid"/>
-          </a:ln>
-        </p:spPr>
-      </p:sp>
-      <p:sp>
-        <p:nvSpPr>
-          <p:cNvPr id="20" name="Shape 18"/>
-          <p:cNvSpPr/>
-          <p:nvPr/>
-        </p:nvSpPr>
-        <p:spPr>
-          <a:xfrm>
-            <a:off x="8503920" y="4297680"/>
-            <a:ext cx="274320" cy="274320"/>
-          </a:xfrm>
-          <a:prstGeom prst="rect">
-            <a:avLst/>
-          </a:prstGeom>
-          <a:solidFill>
-            <a:srgbClr val="2A2A4A"/>
-          </a:solidFill>
-          <a:ln w="12700">
-            <a:solidFill>
-              <a:srgbClr val="9333EA"/>
-            </a:solidFill>
-            <a:prstDash val="solid"/>
-          </a:ln>
+          <p:cNvPr id="4" name="Shape 2"/>
+          <p:cNvSpPr/>
+          <p:nvPr/>
+        </p:nvSpPr>
+        <p:spPr>
+          <a:xfrm>
+            <a:off x="0" y="777240"/>
+            <a:ext cx="9144000" cy="45720"/>
+          </a:xfrm>
+          <a:prstGeom prst="rect">
+            <a:avLst/>
+          </a:prstGeom>
+          <a:solidFill>
+            <a:srgbClr val="22C55E"/>
+          </a:solidFill>
+          <a:ln/>
+        </p:spPr>
+      </p:sp>
+      <p:sp>
+        <p:nvSpPr>
+          <p:cNvPr id="5" name="Shape 3"/>
+          <p:cNvSpPr/>
+          <p:nvPr/>
+        </p:nvSpPr>
+        <p:spPr>
+          <a:xfrm>
+            <a:off x="685800" y="1097280"/>
+            <a:ext cx="54864" cy="3200400"/>
+          </a:xfrm>
+          <a:prstGeom prst="rect">
+            <a:avLst/>
+          </a:prstGeom>
+          <a:solidFill>
+            <a:srgbClr val="3D3D5C"/>
+          </a:solidFill>
+          <a:ln/>
         </p:spPr>
       </p:sp>
       <p:pic>
         <p:nvPicPr>
-          <p:cNvPr id="21" name="Image 0" descr="preencoded.png">    </p:cNvPr>
+          <p:cNvPr id="7" name="Image 0" descr="preencoded.png">    </p:cNvPr>
           <p:cNvPicPr>
             <a:picLocks noChangeAspect="1"/>
           </p:cNvPicPr>
@@ -5326,82 +4313,46 @@
                 <a:ea typeface="Arial" pitchFamily="34" charset="-122"/>
                 <a:cs typeface="Arial" pitchFamily="34" charset="-120"/>
               </a:rPr>
-              <a:t>✅ Pontos-Chave</a:t>
+              <a:t>📊 Infográfico da Aula</a:t>
             </a:r>
             <a:endParaRPr lang="en-US" sz="2000" dirty="0"/>
           </a:p>
         </p:txBody>
       </p:sp>
-      <p:sp>
-        <p:nvSpPr>
-          <p:cNvPr id="4" name="Shape 2"/>
-          <p:cNvSpPr/>
-          <p:nvPr/>
-        </p:nvSpPr>
-        <p:spPr>
-          <a:xfrm>
-            <a:off x="0" y="777240"/>
-            <a:ext cx="9144000" cy="45720"/>
-          </a:xfrm>
-          <a:prstGeom prst="rect">
-            <a:avLst/>
-          </a:prstGeom>
-          <a:solidFill>
-            <a:srgbClr val="22C55E"/>
-          </a:solidFill>
-          <a:ln/>
-        </p:spPr>
-      </p:sp>
-      <p:sp>
-        <p:nvSpPr>
-          <p:cNvPr id="5" name="Shape 3"/>
-          <p:cNvSpPr/>
-          <p:nvPr/>
-        </p:nvSpPr>
-        <p:spPr>
-          <a:xfrm>
-            <a:off x="685800" y="1097280"/>
-            <a:ext cx="54864" cy="3200400"/>
-          </a:xfrm>
-          <a:prstGeom prst="rect">
-            <a:avLst/>
-          </a:prstGeom>
-          <a:solidFill>
-            <a:srgbClr val="3D3D5C"/>
-          </a:solidFill>
-          <a:ln/>
-        </p:spPr>
-      </p:sp>
-      <p:sp>
-        <p:nvSpPr>
-          <p:cNvPr id="6" name="Shape 4"/>
-          <p:cNvSpPr/>
-          <p:nvPr/>
-        </p:nvSpPr>
-        <p:spPr>
-          <a:xfrm>
-            <a:off x="502920" y="1188720"/>
-            <a:ext cx="457200" cy="457200"/>
-          </a:xfrm>
-          <a:prstGeom prst="ellipse">
-            <a:avLst/>
-          </a:prstGeom>
-          <a:solidFill>
-            <a:srgbClr val="667EEA"/>
-          </a:solidFill>
-          <a:ln/>
-        </p:spPr>
-      </p:sp>
-      <p:sp>
-        <p:nvSpPr>
-          <p:cNvPr id="7" name="Text 5"/>
-          <p:cNvSpPr/>
-          <p:nvPr/>
-        </p:nvSpPr>
-        <p:spPr>
-          <a:xfrm>
-            <a:off x="502920" y="1234440"/>
-            <a:ext cx="457200" cy="365760"/>
+      <p:pic>
+        <p:nvPicPr>
+          <p:cNvPr id="4" name="Image 0" descr="preencoded.png">    </p:cNvPr>
+          <p:cNvPicPr>
+            <a:picLocks noChangeAspect="1"/>
+          </p:cNvPicPr>
+          <p:nvPr/>
+        </p:nvPicPr>
+        <p:blipFill>
+          <a:blip r:embed="rId1"/>
+          <a:stretch>
+            <a:fillRect/>
+          </a:stretch>
+        </p:blipFill>
+        <p:spPr>
+          <a:xfrm>
+            <a:off x="274320" y="914400"/>
+            <a:ext cx="5486400" cy="3383280"/>
+          </a:xfrm>
+          <a:prstGeom prst="rect">
+            <a:avLst/>
+          </a:prstGeom>
+        </p:spPr>
+      </p:pic>
+      <p:sp>
+        <p:nvSpPr>
+          <p:cNvPr id="5" name="Text 2"/>
+          <p:cNvSpPr/>
+          <p:nvPr/>
+        </p:nvSpPr>
+        <p:spPr>
+          <a:xfrm>
+            <a:off x="5943600" y="914400"/>
+            <a:ext cx="3017520" cy="365760"/>
           </a:xfrm>
           <a:prstGeom prst="rect">
             <a:avLst/>
@@ -5413,467 +4364,34 @@
           <a:bodyPr wrap="square" rtlCol="0" anchor="ctr"/>
           <a:lstStyle/>
           <a:p>
-            <a:pPr algn="ctr" indent="0" marL="0">
+            <a:pPr indent="0" marL="0">
               <a:buNone/>
             </a:pPr>
             <a:r>
-              <a:rPr lang="en-US" sz="1600" b="1" dirty="0">
+              <a:rPr lang="en-US" sz="1200" b="1" dirty="0">
                 <a:solidFill>
-                  <a:srgbClr val="FFFFFF"/>
+                  <a:srgbClr val="22C55E"/>
                 </a:solidFill>
                 <a:latin typeface="Arial" pitchFamily="34" charset="0"/>
                 <a:ea typeface="Arial" pitchFamily="34" charset="-122"/>
                 <a:cs typeface="Arial" pitchFamily="34" charset="-120"/>
               </a:rPr>
-              <a:t>✓</a:t>
-            </a:r>
-            <a:endParaRPr lang="en-US" sz="1600" dirty="0"/>
-          </a:p>
-        </p:txBody>
-      </p:sp>
-      <p:sp>
-        <p:nvSpPr>
-          <p:cNvPr id="8" name="Shape 6"/>
-          <p:cNvSpPr/>
-          <p:nvPr/>
-        </p:nvSpPr>
-        <p:spPr>
-          <a:xfrm>
-            <a:off x="1188720" y="1097280"/>
-            <a:ext cx="7498080" cy="640080"/>
-          </a:xfrm>
-          <a:prstGeom prst="roundRect">
-            <a:avLst/>
-          </a:prstGeom>
-          <a:solidFill>
-            <a:srgbClr val="2A2A4A"/>
-          </a:solidFill>
-          <a:ln w="25400">
-            <a:solidFill>
-              <a:srgbClr val="667EEA"/>
-            </a:solidFill>
-            <a:prstDash val="solid"/>
-          </a:ln>
-        </p:spPr>
-      </p:sp>
-      <p:sp>
-        <p:nvSpPr>
-          <p:cNvPr id="9" name="Text 7"/>
-          <p:cNvSpPr/>
-          <p:nvPr/>
-        </p:nvSpPr>
-        <p:spPr>
-          <a:xfrm>
-            <a:off x="1371600" y="1234440"/>
-            <a:ext cx="7132320" cy="411480"/>
-          </a:xfrm>
-          <a:prstGeom prst="rect">
-            <a:avLst/>
-          </a:prstGeom>
-          <a:noFill/>
-          <a:ln/>
-        </p:spPr>
-        <p:txBody>
-          <a:bodyPr wrap="square" rtlCol="0" anchor="ctr"/>
-          <a:lstStyle/>
-          <a:p>
-            <a:pPr indent="0" marL="0">
-              <a:buNone/>
-            </a:pPr>
-            <a:r>
-              <a:rPr lang="en-US" sz="1400" dirty="0">
-                <a:solidFill>
-                  <a:srgbClr val="FFFFFF"/>
-                </a:solidFill>
-                <a:latin typeface="Arial" pitchFamily="34" charset="0"/>
-                <a:ea typeface="Arial" pitchFamily="34" charset="-122"/>
-                <a:cs typeface="Arial" pitchFamily="34" charset="-120"/>
-              </a:rPr>
-              <a:t>Ladrões de tempo parecem produtivos mas não são</a:t>
-            </a:r>
-            <a:endParaRPr lang="en-US" sz="1400" dirty="0"/>
-          </a:p>
-        </p:txBody>
-      </p:sp>
-      <p:sp>
-        <p:nvSpPr>
-          <p:cNvPr id="10" name="Shape 8"/>
-          <p:cNvSpPr/>
-          <p:nvPr/>
-        </p:nvSpPr>
-        <p:spPr>
-          <a:xfrm>
-            <a:off x="502920" y="2011680"/>
-            <a:ext cx="457200" cy="457200"/>
-          </a:xfrm>
-          <a:prstGeom prst="ellipse">
-            <a:avLst/>
-          </a:prstGeom>
-          <a:solidFill>
-            <a:srgbClr val="22C55E"/>
-          </a:solidFill>
-          <a:ln/>
-        </p:spPr>
-      </p:sp>
-      <p:sp>
-        <p:nvSpPr>
-          <p:cNvPr id="11" name="Text 9"/>
-          <p:cNvSpPr/>
-          <p:nvPr/>
-        </p:nvSpPr>
-        <p:spPr>
-          <a:xfrm>
-            <a:off x="502920" y="2057400"/>
-            <a:ext cx="457200" cy="365760"/>
-          </a:xfrm>
-          <a:prstGeom prst="rect">
-            <a:avLst/>
-          </a:prstGeom>
-          <a:noFill/>
-          <a:ln/>
-        </p:spPr>
-        <p:txBody>
-          <a:bodyPr wrap="square" rtlCol="0" anchor="ctr"/>
-          <a:lstStyle/>
-          <a:p>
-            <a:pPr algn="ctr" indent="0" marL="0">
-              <a:buNone/>
-            </a:pPr>
-            <a:r>
-              <a:rPr lang="en-US" sz="1600" b="1" dirty="0">
-                <a:solidFill>
-                  <a:srgbClr val="FFFFFF"/>
-                </a:solidFill>
-                <a:latin typeface="Arial" pitchFamily="34" charset="0"/>
-                <a:ea typeface="Arial" pitchFamily="34" charset="-122"/>
-                <a:cs typeface="Arial" pitchFamily="34" charset="-120"/>
-              </a:rPr>
-              <a:t>✓</a:t>
-            </a:r>
-            <a:endParaRPr lang="en-US" sz="1600" dirty="0"/>
-          </a:p>
-        </p:txBody>
-      </p:sp>
-      <p:sp>
-        <p:nvSpPr>
-          <p:cNvPr id="12" name="Shape 10"/>
-          <p:cNvSpPr/>
-          <p:nvPr/>
-        </p:nvSpPr>
-        <p:spPr>
-          <a:xfrm>
-            <a:off x="1188720" y="1920240"/>
-            <a:ext cx="7498080" cy="640080"/>
-          </a:xfrm>
-          <a:prstGeom prst="roundRect">
-            <a:avLst/>
-          </a:prstGeom>
-          <a:solidFill>
-            <a:srgbClr val="2A2A4A"/>
-          </a:solidFill>
-          <a:ln w="25400">
-            <a:solidFill>
-              <a:srgbClr val="22C55E"/>
-            </a:solidFill>
-            <a:prstDash val="solid"/>
-          </a:ln>
-        </p:spPr>
-      </p:sp>
-      <p:sp>
-        <p:nvSpPr>
-          <p:cNvPr id="13" name="Text 11"/>
-          <p:cNvSpPr/>
-          <p:nvPr/>
-        </p:nvSpPr>
-        <p:spPr>
-          <a:xfrm>
-            <a:off x="1371600" y="2057400"/>
-            <a:ext cx="7132320" cy="411480"/>
-          </a:xfrm>
-          <a:prstGeom prst="rect">
-            <a:avLst/>
-          </a:prstGeom>
-          <a:noFill/>
-          <a:ln/>
-        </p:spPr>
-        <p:txBody>
-          <a:bodyPr wrap="square" rtlCol="0" anchor="ctr"/>
-          <a:lstStyle/>
-          <a:p>
-            <a:pPr indent="0" marL="0">
-              <a:buNone/>
-            </a:pPr>
-            <a:r>
-              <a:rPr lang="en-US" sz="1400" dirty="0">
-                <a:solidFill>
-                  <a:srgbClr val="FFFFFF"/>
-                </a:solidFill>
-                <a:latin typeface="Arial" pitchFamily="34" charset="0"/>
-                <a:ea typeface="Arial" pitchFamily="34" charset="-122"/>
-                <a:cs typeface="Arial" pitchFamily="34" charset="-120"/>
-              </a:rPr>
-              <a:t>Auditoria revela a verdade chocante</a:t>
-            </a:r>
-            <a:endParaRPr lang="en-US" sz="1400" dirty="0"/>
-          </a:p>
-        </p:txBody>
-      </p:sp>
-      <p:sp>
-        <p:nvSpPr>
-          <p:cNvPr id="14" name="Shape 12"/>
-          <p:cNvSpPr/>
-          <p:nvPr/>
-        </p:nvSpPr>
-        <p:spPr>
-          <a:xfrm>
-            <a:off x="502920" y="2834640"/>
-            <a:ext cx="457200" cy="457200"/>
-          </a:xfrm>
-          <a:prstGeom prst="ellipse">
-            <a:avLst/>
-          </a:prstGeom>
-          <a:solidFill>
-            <a:srgbClr val="3B82F6"/>
-          </a:solidFill>
-          <a:ln/>
-        </p:spPr>
-      </p:sp>
-      <p:sp>
-        <p:nvSpPr>
-          <p:cNvPr id="15" name="Text 13"/>
-          <p:cNvSpPr/>
-          <p:nvPr/>
-        </p:nvSpPr>
-        <p:spPr>
-          <a:xfrm>
-            <a:off x="502920" y="2880360"/>
-            <a:ext cx="457200" cy="365760"/>
-          </a:xfrm>
-          <a:prstGeom prst="rect">
-            <a:avLst/>
-          </a:prstGeom>
-          <a:noFill/>
-          <a:ln/>
-        </p:spPr>
-        <p:txBody>
-          <a:bodyPr wrap="square" rtlCol="0" anchor="ctr"/>
-          <a:lstStyle/>
-          <a:p>
-            <a:pPr algn="ctr" indent="0" marL="0">
-              <a:buNone/>
-            </a:pPr>
-            <a:r>
-              <a:rPr lang="en-US" sz="1600" b="1" dirty="0">
-                <a:solidFill>
-                  <a:srgbClr val="FFFFFF"/>
-                </a:solidFill>
-                <a:latin typeface="Arial" pitchFamily="34" charset="0"/>
-                <a:ea typeface="Arial" pitchFamily="34" charset="-122"/>
-                <a:cs typeface="Arial" pitchFamily="34" charset="-120"/>
-              </a:rPr>
-              <a:t>✓</a:t>
-            </a:r>
-            <a:endParaRPr lang="en-US" sz="1600" dirty="0"/>
-          </a:p>
-        </p:txBody>
-      </p:sp>
-      <p:sp>
-        <p:nvSpPr>
-          <p:cNvPr id="16" name="Shape 14"/>
-          <p:cNvSpPr/>
-          <p:nvPr/>
-        </p:nvSpPr>
-        <p:spPr>
-          <a:xfrm>
-            <a:off x="1188720" y="2743200"/>
-            <a:ext cx="7498080" cy="640080"/>
-          </a:xfrm>
-          <a:prstGeom prst="roundRect">
-            <a:avLst/>
-          </a:prstGeom>
-          <a:solidFill>
-            <a:srgbClr val="2A2A4A"/>
-          </a:solidFill>
-          <a:ln w="25400">
-            <a:solidFill>
-              <a:srgbClr val="3B82F6"/>
-            </a:solidFill>
-            <a:prstDash val="solid"/>
-          </a:ln>
-        </p:spPr>
-      </p:sp>
-      <p:sp>
-        <p:nvSpPr>
-          <p:cNvPr id="17" name="Text 15"/>
-          <p:cNvSpPr/>
-          <p:nvPr/>
-        </p:nvSpPr>
-        <p:spPr>
-          <a:xfrm>
-            <a:off x="1371600" y="2880360"/>
-            <a:ext cx="7132320" cy="411480"/>
-          </a:xfrm>
-          <a:prstGeom prst="rect">
-            <a:avLst/>
-          </a:prstGeom>
-          <a:noFill/>
-          <a:ln/>
-        </p:spPr>
-        <p:txBody>
-          <a:bodyPr wrap="square" rtlCol="0" anchor="ctr"/>
-          <a:lstStyle/>
-          <a:p>
-            <a:pPr indent="0" marL="0">
-              <a:buNone/>
-            </a:pPr>
-            <a:r>
-              <a:rPr lang="en-US" sz="1400" dirty="0">
-                <a:solidFill>
-                  <a:srgbClr val="FFFFFF"/>
-                </a:solidFill>
-                <a:latin typeface="Arial" pitchFamily="34" charset="0"/>
-                <a:ea typeface="Arial" pitchFamily="34" charset="-122"/>
-                <a:cs typeface="Arial" pitchFamily="34" charset="-120"/>
-              </a:rPr>
-              <a:t>Estratégias: batch, time box, 2 minutos, eliminar</a:t>
-            </a:r>
-            <a:endParaRPr lang="en-US" sz="1400" dirty="0"/>
-          </a:p>
-        </p:txBody>
-      </p:sp>
-      <p:sp>
-        <p:nvSpPr>
-          <p:cNvPr id="18" name="Shape 16"/>
-          <p:cNvSpPr/>
-          <p:nvPr/>
-        </p:nvSpPr>
-        <p:spPr>
-          <a:xfrm>
-            <a:off x="502920" y="3657600"/>
-            <a:ext cx="457200" cy="457200"/>
-          </a:xfrm>
-          <a:prstGeom prst="ellipse">
-            <a:avLst/>
-          </a:prstGeom>
-          <a:solidFill>
-            <a:srgbClr val="9333EA"/>
-          </a:solidFill>
-          <a:ln/>
-        </p:spPr>
-      </p:sp>
-      <p:sp>
-        <p:nvSpPr>
-          <p:cNvPr id="19" name="Text 17"/>
-          <p:cNvSpPr/>
-          <p:nvPr/>
-        </p:nvSpPr>
-        <p:spPr>
-          <a:xfrm>
-            <a:off x="502920" y="3703320"/>
-            <a:ext cx="457200" cy="365760"/>
-          </a:xfrm>
-          <a:prstGeom prst="rect">
-            <a:avLst/>
-          </a:prstGeom>
-          <a:noFill/>
-          <a:ln/>
-        </p:spPr>
-        <p:txBody>
-          <a:bodyPr wrap="square" rtlCol="0" anchor="ctr"/>
-          <a:lstStyle/>
-          <a:p>
-            <a:pPr algn="ctr" indent="0" marL="0">
-              <a:buNone/>
-            </a:pPr>
-            <a:r>
-              <a:rPr lang="en-US" sz="1600" b="1" dirty="0">
-                <a:solidFill>
-                  <a:srgbClr val="FFFFFF"/>
-                </a:solidFill>
-                <a:latin typeface="Arial" pitchFamily="34" charset="0"/>
-                <a:ea typeface="Arial" pitchFamily="34" charset="-122"/>
-                <a:cs typeface="Arial" pitchFamily="34" charset="-120"/>
-              </a:rPr>
-              <a:t>✓</a:t>
-            </a:r>
-            <a:endParaRPr lang="en-US" sz="1600" dirty="0"/>
-          </a:p>
-        </p:txBody>
-      </p:sp>
-      <p:sp>
-        <p:nvSpPr>
-          <p:cNvPr id="20" name="Shape 18"/>
-          <p:cNvSpPr/>
-          <p:nvPr/>
-        </p:nvSpPr>
-        <p:spPr>
-          <a:xfrm>
-            <a:off x="1188720" y="3566160"/>
-            <a:ext cx="7498080" cy="640080"/>
-          </a:xfrm>
-          <a:prstGeom prst="roundRect">
-            <a:avLst/>
-          </a:prstGeom>
-          <a:solidFill>
-            <a:srgbClr val="2A2A4A"/>
-          </a:solidFill>
-          <a:ln w="25400">
-            <a:solidFill>
-              <a:srgbClr val="9333EA"/>
-            </a:solidFill>
-            <a:prstDash val="solid"/>
-          </a:ln>
-        </p:spPr>
-      </p:sp>
-      <p:sp>
-        <p:nvSpPr>
-          <p:cNvPr id="21" name="Text 19"/>
-          <p:cNvSpPr/>
-          <p:nvPr/>
-        </p:nvSpPr>
-        <p:spPr>
-          <a:xfrm>
-            <a:off x="1371600" y="3703320"/>
-            <a:ext cx="7132320" cy="411480"/>
-          </a:xfrm>
-          <a:prstGeom prst="rect">
-            <a:avLst/>
-          </a:prstGeom>
-          <a:noFill/>
-          <a:ln/>
-        </p:spPr>
-        <p:txBody>
-          <a:bodyPr wrap="square" rtlCol="0" anchor="ctr"/>
-          <a:lstStyle/>
-          <a:p>
-            <a:pPr indent="0" marL="0">
-              <a:buNone/>
-            </a:pPr>
-            <a:r>
-              <a:rPr lang="en-US" sz="1400" dirty="0">
-                <a:solidFill>
-                  <a:srgbClr val="FFFFFF"/>
-                </a:solidFill>
-                <a:latin typeface="Arial" pitchFamily="34" charset="0"/>
-                <a:ea typeface="Arial" pitchFamily="34" charset="-122"/>
-                <a:cs typeface="Arial" pitchFamily="34" charset="-120"/>
-              </a:rPr>
-              <a:t>Tempo recuperado = tempo para foco profundo</a:t>
-            </a:r>
-            <a:endParaRPr lang="en-US" sz="1400" dirty="0"/>
+              <a:t>Conceitos Principais:</a:t>
+            </a:r>
+            <a:endParaRPr lang="en-US" sz="1200" dirty="0"/>
           </a:p>
         </p:txBody>
       </p:sp>
       <p:pic>
         <p:nvPicPr>
-          <p:cNvPr id="22" name="Image 0" descr="preencoded.png">    </p:cNvPr>
+          <p:cNvPr id="7" name="Image 1" descr="preencoded.png">    </p:cNvPr>
           <p:cNvPicPr>
             <a:picLocks noChangeAspect="1"/>
           </p:cNvPicPr>
           <p:nvPr/>
         </p:nvPicPr>
         <p:blipFill>
-          <a:blip r:embed="rId1"/>
+          <a:blip r:embed="rId2"/>
           <a:stretch>
             <a:fillRect/>
           </a:stretch>
@@ -6135,14 +4653,8 @@
                 <a:ea typeface="Arial" pitchFamily="34" charset="-122"/>
                 <a:cs typeface="Arial" pitchFamily="34" charset="-120"/>
               </a:rPr>
-              <a:t>Auditoria de 3 Dias:</a:t>
-            </a:r>
-            <a:endParaRPr lang="en-US" sz="1400" dirty="0"/>
-          </a:p>
-          <a:p>
-            <a:pPr indent="0" marL="0">
-              <a:buNone/>
-            </a:pPr>
+              <a:t>1. **Rastreamento** (3 dias)</a:t>
+            </a:r>
             <a:endParaRPr lang="en-US" sz="1400" dirty="0"/>
           </a:p>
           <a:p>
@@ -6158,7 +4670,7 @@
                 <a:ea typeface="Arial" pitchFamily="34" charset="-122"/>
                 <a:cs typeface="Arial" pitchFamily="34" charset="-120"/>
               </a:rPr>
-              <a:t>1. A cada 30 min, anote o que fez</a:t>
+              <a:t>   - A cada 30 min, anote a atividade</a:t>
             </a:r>
             <a:endParaRPr lang="en-US" sz="1400" dirty="0"/>
           </a:p>
@@ -6175,7 +4687,7 @@
                 <a:ea typeface="Arial" pitchFamily="34" charset="-122"/>
                 <a:cs typeface="Arial" pitchFamily="34" charset="-120"/>
               </a:rPr>
-              <a:t>2. Seja honesto - ninguém vai ver</a:t>
+              <a:t>   - Use app ou papel</a:t>
             </a:r>
             <a:endParaRPr lang="en-US" sz="1400" dirty="0"/>
           </a:p>
@@ -6192,7 +4704,7 @@
                 <a:ea typeface="Arial" pitchFamily="34" charset="-122"/>
                 <a:cs typeface="Arial" pitchFamily="34" charset="-120"/>
               </a:rPr>
-              <a:t>3. Categorize cada bloco</a:t>
+              <a:t>2. **Análise**</a:t>
             </a:r>
             <a:endParaRPr lang="en-US" sz="1400" dirty="0"/>
           </a:p>
@@ -6209,7 +4721,7 @@
                 <a:ea typeface="Arial" pitchFamily="34" charset="-122"/>
                 <a:cs typeface="Arial" pitchFamily="34" charset="-120"/>
               </a:rPr>
-              <a:t>4. Identifique seus top 3 ladrões</a:t>
+              <a:t>   - Some tempo por categoria</a:t>
             </a:r>
             <a:endParaRPr lang="en-US" sz="1400" dirty="0"/>
           </a:p>
@@ -6226,7 +4738,7 @@
                 <a:ea typeface="Arial" pitchFamily="34" charset="-122"/>
                 <a:cs typeface="Arial" pitchFamily="34" charset="-120"/>
               </a:rPr>
-              <a:t>5. Crie estratégia para cada um</a:t>
+              <a:t>   - Identifique seus top 3 ladrões</a:t>
             </a:r>
             <a:endParaRPr lang="en-US" sz="1400" dirty="0"/>
           </a:p>
@@ -6298,7 +4810,7 @@
       </p:sp>
       <p:pic>
         <p:nvPicPr>
-          <p:cNvPr id="11" name="Image 0" descr="preencoded.png">    </p:cNvPr>
+          <p:cNvPr id="12" name="Image 0" descr="preencoded.png">    </p:cNvPr>
           <p:cNvPicPr>
             <a:picLocks noChangeAspect="1"/>
           </p:cNvPicPr>
@@ -6674,7 +5186,7 @@
       </p:sp>
       <p:pic>
         <p:nvPicPr>
-          <p:cNvPr id="13" name="Image 0" descr="preencoded.png">    </p:cNvPr>
+          <p:cNvPr id="14" name="Image 0" descr="preencoded.png">    </p:cNvPr>
           <p:cNvPicPr>
             <a:picLocks noChangeAspect="1"/>
           </p:cNvPicPr>
